--- a/ppts/Week4d Generate your own dataset (basic_gendataset).pptx
+++ b/ppts/Week4d Generate your own dataset (basic_gendataset).pptx
@@ -5,21 +5,19 @@
     <p:sldMasterId id="2147483648" r:id="rId1"/>
   </p:sldMasterIdLst>
   <p:notesMasterIdLst>
-    <p:notesMasterId r:id="rId14"/>
+    <p:notesMasterId r:id="rId12"/>
   </p:notesMasterIdLst>
   <p:sldIdLst>
     <p:sldId id="645" r:id="rId2"/>
     <p:sldId id="646" r:id="rId3"/>
     <p:sldId id="647" r:id="rId4"/>
-    <p:sldId id="650" r:id="rId5"/>
-    <p:sldId id="654" r:id="rId6"/>
-    <p:sldId id="655" r:id="rId7"/>
-    <p:sldId id="656" r:id="rId8"/>
-    <p:sldId id="657" r:id="rId9"/>
-    <p:sldId id="651" r:id="rId10"/>
-    <p:sldId id="652" r:id="rId11"/>
-    <p:sldId id="653" r:id="rId12"/>
-    <p:sldId id="648" r:id="rId13"/>
+    <p:sldId id="648" r:id="rId5"/>
+    <p:sldId id="649" r:id="rId6"/>
+    <p:sldId id="650" r:id="rId7"/>
+    <p:sldId id="651" r:id="rId8"/>
+    <p:sldId id="652" r:id="rId9"/>
+    <p:sldId id="653" r:id="rId10"/>
+    <p:sldId id="654" r:id="rId11"/>
   </p:sldIdLst>
   <p:sldSz cx="9144000" cy="6858000" type="screen4x3"/>
   <p:notesSz cx="6858000" cy="9144000"/>
@@ -220,7 +218,7 @@
             <a:fld id="{E9CA654E-EBD9-4CE9-AAD0-9BCA047E2E1D}" type="datetimeFigureOut">
               <a:rPr lang="ko-KR" altLang="en-US" smtClean="0"/>
               <a:pPr/>
-              <a:t>2016. 10. 29.</a:t>
+              <a:t>2017. 6. 17.</a:t>
             </a:fld>
             <a:endParaRPr lang="ko-KR" altLang="en-US"/>
           </a:p>
@@ -491,6 +489,1500 @@
 </p:notesMaster>
 </file>
 
+<file path=ppt/notesSlides/notesSlide1.xml><?xml version="1.0" encoding="utf-8"?>
+<p:notes xmlns:a="http://schemas.openxmlformats.org/drawingml/2006/main" xmlns:r="http://schemas.openxmlformats.org/officeDocument/2006/relationships" xmlns:p="http://schemas.openxmlformats.org/presentationml/2006/main">
+  <p:cSld>
+    <p:spTree>
+      <p:nvGrpSpPr>
+        <p:cNvPr id="1" name=""/>
+        <p:cNvGrpSpPr/>
+        <p:nvPr/>
+      </p:nvGrpSpPr>
+      <p:grpSpPr>
+        <a:xfrm>
+          <a:off x="0" y="0"/>
+          <a:ext cx="0" cy="0"/>
+          <a:chOff x="0" y="0"/>
+          <a:chExt cx="0" cy="0"/>
+        </a:xfrm>
+      </p:grpSpPr>
+      <p:sp>
+        <p:nvSpPr>
+          <p:cNvPr id="2" name="슬라이드 이미지 개체 틀 1"/>
+          <p:cNvSpPr>
+            <a:spLocks noGrp="1" noRot="1" noChangeAspect="1"/>
+          </p:cNvSpPr>
+          <p:nvPr>
+            <p:ph type="sldImg"/>
+          </p:nvPr>
+        </p:nvSpPr>
+        <p:spPr/>
+      </p:sp>
+      <p:sp>
+        <p:nvSpPr>
+          <p:cNvPr id="3" name="슬라이드 노트 개체 틀 2"/>
+          <p:cNvSpPr>
+            <a:spLocks noGrp="1"/>
+          </p:cNvSpPr>
+          <p:nvPr>
+            <p:ph type="body" idx="1"/>
+          </p:nvPr>
+        </p:nvSpPr>
+        <p:spPr/>
+        <p:txBody>
+          <a:bodyPr/>
+          <a:lstStyle/>
+          <a:p>
+            <a:r>
+              <a:rPr kumimoji="1" lang="en-US" altLang="ko-KR" dirty="0" smtClean="0"/>
+              <a:t>import </a:t>
+            </a:r>
+            <a:r>
+              <a:rPr kumimoji="1" lang="en-US" altLang="ko-KR" dirty="0" err="1" smtClean="0"/>
+              <a:t>numpy</a:t>
+            </a:r>
+            <a:r>
+              <a:rPr kumimoji="1" lang="en-US" altLang="ko-KR" dirty="0" smtClean="0"/>
+              <a:t> as np</a:t>
+            </a:r>
+          </a:p>
+          <a:p>
+            <a:r>
+              <a:rPr kumimoji="1" lang="en-US" altLang="ko-KR" dirty="0" smtClean="0"/>
+              <a:t>import tensor flow as </a:t>
+            </a:r>
+            <a:r>
+              <a:rPr kumimoji="1" lang="en-US" altLang="ko-KR" dirty="0" err="1" smtClean="0"/>
+              <a:t>tf</a:t>
+            </a:r>
+            <a:endParaRPr kumimoji="1" lang="en-US" altLang="ko-KR" dirty="0" smtClean="0"/>
+          </a:p>
+          <a:p>
+            <a:r>
+              <a:rPr kumimoji="1" lang="en-US" altLang="ko-KR" dirty="0" smtClean="0"/>
+              <a:t>import </a:t>
+            </a:r>
+            <a:r>
+              <a:rPr kumimoji="1" lang="en-US" altLang="ko-KR" dirty="0" err="1" smtClean="0"/>
+              <a:t>matplotlib.pyplot</a:t>
+            </a:r>
+            <a:r>
+              <a:rPr kumimoji="1" lang="en-US" altLang="ko-KR" dirty="0" smtClean="0"/>
+              <a:t> as </a:t>
+            </a:r>
+            <a:r>
+              <a:rPr kumimoji="1" lang="en-US" altLang="ko-KR" dirty="0" err="1" smtClean="0"/>
+              <a:t>plt</a:t>
+            </a:r>
+            <a:endParaRPr kumimoji="1" lang="en-US" altLang="ko-KR" dirty="0" smtClean="0"/>
+          </a:p>
+          <a:p>
+            <a:r>
+              <a:rPr kumimoji="1" lang="en-US" altLang="ko-KR" dirty="0" smtClean="0"/>
+              <a:t>from </a:t>
+            </a:r>
+            <a:r>
+              <a:rPr kumimoji="1" lang="en-US" altLang="ko-KR" dirty="0" err="1" smtClean="0"/>
+              <a:t>tensorflow.examples.tutorials.mnist</a:t>
+            </a:r>
+            <a:r>
+              <a:rPr kumimoji="1" lang="en-US" altLang="ko-KR" dirty="0" smtClean="0"/>
+              <a:t> </a:t>
+            </a:r>
+          </a:p>
+          <a:p>
+            <a:r>
+              <a:rPr kumimoji="1" lang="en-US" altLang="ko-KR" dirty="0" smtClean="0"/>
+              <a:t>import </a:t>
+            </a:r>
+            <a:r>
+              <a:rPr kumimoji="1" lang="en-US" altLang="ko-KR" dirty="0" err="1" smtClean="0"/>
+              <a:t>input_data</a:t>
+            </a:r>
+            <a:endParaRPr kumimoji="1" lang="en-US" altLang="ko-KR" dirty="0" smtClean="0"/>
+          </a:p>
+          <a:p>
+            <a:r>
+              <a:rPr kumimoji="1" lang="en-US" altLang="ko-KR" dirty="0" smtClean="0"/>
+              <a:t>%</a:t>
+            </a:r>
+            <a:r>
+              <a:rPr kumimoji="1" lang="en-US" altLang="ko-KR" dirty="0" err="1" smtClean="0"/>
+              <a:t>matplotlib</a:t>
+            </a:r>
+            <a:r>
+              <a:rPr kumimoji="1" lang="en-US" altLang="ko-KR" dirty="0" smtClean="0"/>
+              <a:t> inline  print ("PACKAGES LOADED")</a:t>
+            </a:r>
+            <a:endParaRPr kumimoji="1" lang="ko-KR" altLang="en-US" dirty="0"/>
+          </a:p>
+        </p:txBody>
+      </p:sp>
+      <p:sp>
+        <p:nvSpPr>
+          <p:cNvPr id="4" name="슬라이드 번호 개체 틀 3"/>
+          <p:cNvSpPr>
+            <a:spLocks noGrp="1"/>
+          </p:cNvSpPr>
+          <p:nvPr>
+            <p:ph type="sldNum" sz="quarter" idx="10"/>
+          </p:nvPr>
+        </p:nvSpPr>
+        <p:spPr/>
+        <p:txBody>
+          <a:bodyPr/>
+          <a:lstStyle/>
+          <a:p>
+            <a:fld id="{3C7970E3-E969-4B5B-B387-9B817F0C226C}" type="slidenum">
+              <a:rPr lang="ko-KR" altLang="en-US" smtClean="0"/>
+              <a:pPr/>
+              <a:t>2</a:t>
+            </a:fld>
+            <a:endParaRPr lang="ko-KR" altLang="en-US"/>
+          </a:p>
+        </p:txBody>
+      </p:sp>
+    </p:spTree>
+    <p:extLst>
+      <p:ext uri="{BB962C8B-B14F-4D97-AF65-F5344CB8AC3E}">
+        <p14:creationId xmlns:p14="http://schemas.microsoft.com/office/powerpoint/2010/main" val="1339792914"/>
+      </p:ext>
+    </p:extLst>
+  </p:cSld>
+  <p:clrMapOvr>
+    <a:masterClrMapping/>
+  </p:clrMapOvr>
+</p:notes>
+</file>
+
+<file path=ppt/notesSlides/notesSlide2.xml><?xml version="1.0" encoding="utf-8"?>
+<p:notes xmlns:a="http://schemas.openxmlformats.org/drawingml/2006/main" xmlns:r="http://schemas.openxmlformats.org/officeDocument/2006/relationships" xmlns:p="http://schemas.openxmlformats.org/presentationml/2006/main">
+  <p:cSld>
+    <p:spTree>
+      <p:nvGrpSpPr>
+        <p:cNvPr id="1" name=""/>
+        <p:cNvGrpSpPr/>
+        <p:nvPr/>
+      </p:nvGrpSpPr>
+      <p:grpSpPr>
+        <a:xfrm>
+          <a:off x="0" y="0"/>
+          <a:ext cx="0" cy="0"/>
+          <a:chOff x="0" y="0"/>
+          <a:chExt cx="0" cy="0"/>
+        </a:xfrm>
+      </p:grpSpPr>
+      <p:sp>
+        <p:nvSpPr>
+          <p:cNvPr id="2" name="슬라이드 이미지 개체 틀 1"/>
+          <p:cNvSpPr>
+            <a:spLocks noGrp="1" noRot="1" noChangeAspect="1"/>
+          </p:cNvSpPr>
+          <p:nvPr>
+            <p:ph type="sldImg"/>
+          </p:nvPr>
+        </p:nvSpPr>
+        <p:spPr/>
+      </p:sp>
+      <p:sp>
+        <p:nvSpPr>
+          <p:cNvPr id="3" name="슬라이드 노트 개체 틀 2"/>
+          <p:cNvSpPr>
+            <a:spLocks noGrp="1"/>
+          </p:cNvSpPr>
+          <p:nvPr>
+            <p:ph type="body" idx="1"/>
+          </p:nvPr>
+        </p:nvSpPr>
+        <p:spPr/>
+        <p:txBody>
+          <a:bodyPr/>
+          <a:lstStyle/>
+          <a:p>
+            <a:r>
+              <a:rPr kumimoji="1" lang="en-US" altLang="ko-KR" dirty="0" smtClean="0"/>
+              <a:t>import </a:t>
+            </a:r>
+            <a:r>
+              <a:rPr kumimoji="1" lang="en-US" altLang="ko-KR" dirty="0" err="1" smtClean="0"/>
+              <a:t>numpy</a:t>
+            </a:r>
+            <a:r>
+              <a:rPr kumimoji="1" lang="en-US" altLang="ko-KR" dirty="0" smtClean="0"/>
+              <a:t> as np</a:t>
+            </a:r>
+          </a:p>
+          <a:p>
+            <a:r>
+              <a:rPr kumimoji="1" lang="en-US" altLang="ko-KR" dirty="0" smtClean="0"/>
+              <a:t>import tensor flow as </a:t>
+            </a:r>
+            <a:r>
+              <a:rPr kumimoji="1" lang="en-US" altLang="ko-KR" dirty="0" err="1" smtClean="0"/>
+              <a:t>tf</a:t>
+            </a:r>
+            <a:endParaRPr kumimoji="1" lang="en-US" altLang="ko-KR" dirty="0" smtClean="0"/>
+          </a:p>
+          <a:p>
+            <a:r>
+              <a:rPr kumimoji="1" lang="en-US" altLang="ko-KR" dirty="0" smtClean="0"/>
+              <a:t>import </a:t>
+            </a:r>
+            <a:r>
+              <a:rPr kumimoji="1" lang="en-US" altLang="ko-KR" dirty="0" err="1" smtClean="0"/>
+              <a:t>matplotlib.pyplot</a:t>
+            </a:r>
+            <a:r>
+              <a:rPr kumimoji="1" lang="en-US" altLang="ko-KR" dirty="0" smtClean="0"/>
+              <a:t> as </a:t>
+            </a:r>
+            <a:r>
+              <a:rPr kumimoji="1" lang="en-US" altLang="ko-KR" dirty="0" err="1" smtClean="0"/>
+              <a:t>plt</a:t>
+            </a:r>
+            <a:endParaRPr kumimoji="1" lang="en-US" altLang="ko-KR" dirty="0" smtClean="0"/>
+          </a:p>
+          <a:p>
+            <a:r>
+              <a:rPr kumimoji="1" lang="en-US" altLang="ko-KR" dirty="0" smtClean="0"/>
+              <a:t>from </a:t>
+            </a:r>
+            <a:r>
+              <a:rPr kumimoji="1" lang="en-US" altLang="ko-KR" dirty="0" err="1" smtClean="0"/>
+              <a:t>tensorflow.examples.tutorials.mnist</a:t>
+            </a:r>
+            <a:r>
+              <a:rPr kumimoji="1" lang="en-US" altLang="ko-KR" dirty="0" smtClean="0"/>
+              <a:t> </a:t>
+            </a:r>
+          </a:p>
+          <a:p>
+            <a:r>
+              <a:rPr kumimoji="1" lang="en-US" altLang="ko-KR" dirty="0" smtClean="0"/>
+              <a:t>import </a:t>
+            </a:r>
+            <a:r>
+              <a:rPr kumimoji="1" lang="en-US" altLang="ko-KR" dirty="0" err="1" smtClean="0"/>
+              <a:t>input_data</a:t>
+            </a:r>
+            <a:endParaRPr kumimoji="1" lang="en-US" altLang="ko-KR" dirty="0" smtClean="0"/>
+          </a:p>
+          <a:p>
+            <a:r>
+              <a:rPr kumimoji="1" lang="en-US" altLang="ko-KR" dirty="0" smtClean="0"/>
+              <a:t>%</a:t>
+            </a:r>
+            <a:r>
+              <a:rPr kumimoji="1" lang="en-US" altLang="ko-KR" dirty="0" err="1" smtClean="0"/>
+              <a:t>matplotlib</a:t>
+            </a:r>
+            <a:r>
+              <a:rPr kumimoji="1" lang="en-US" altLang="ko-KR" dirty="0" smtClean="0"/>
+              <a:t> inline  print ("PACKAGES LOADED")</a:t>
+            </a:r>
+            <a:endParaRPr kumimoji="1" lang="ko-KR" altLang="en-US" dirty="0"/>
+          </a:p>
+        </p:txBody>
+      </p:sp>
+      <p:sp>
+        <p:nvSpPr>
+          <p:cNvPr id="4" name="슬라이드 번호 개체 틀 3"/>
+          <p:cNvSpPr>
+            <a:spLocks noGrp="1"/>
+          </p:cNvSpPr>
+          <p:nvPr>
+            <p:ph type="sldNum" sz="quarter" idx="10"/>
+          </p:nvPr>
+        </p:nvSpPr>
+        <p:spPr/>
+        <p:txBody>
+          <a:bodyPr/>
+          <a:lstStyle/>
+          <a:p>
+            <a:fld id="{3C7970E3-E969-4B5B-B387-9B817F0C226C}" type="slidenum">
+              <a:rPr lang="ko-KR" altLang="en-US" smtClean="0"/>
+              <a:pPr/>
+              <a:t>3</a:t>
+            </a:fld>
+            <a:endParaRPr lang="ko-KR" altLang="en-US"/>
+          </a:p>
+        </p:txBody>
+      </p:sp>
+    </p:spTree>
+    <p:extLst>
+      <p:ext uri="{BB962C8B-B14F-4D97-AF65-F5344CB8AC3E}">
+        <p14:creationId xmlns:p14="http://schemas.microsoft.com/office/powerpoint/2010/main" val="1025310374"/>
+      </p:ext>
+    </p:extLst>
+  </p:cSld>
+  <p:clrMapOvr>
+    <a:masterClrMapping/>
+  </p:clrMapOvr>
+</p:notes>
+</file>
+
+<file path=ppt/notesSlides/notesSlide3.xml><?xml version="1.0" encoding="utf-8"?>
+<p:notes xmlns:a="http://schemas.openxmlformats.org/drawingml/2006/main" xmlns:r="http://schemas.openxmlformats.org/officeDocument/2006/relationships" xmlns:p="http://schemas.openxmlformats.org/presentationml/2006/main">
+  <p:cSld>
+    <p:spTree>
+      <p:nvGrpSpPr>
+        <p:cNvPr id="1" name=""/>
+        <p:cNvGrpSpPr/>
+        <p:nvPr/>
+      </p:nvGrpSpPr>
+      <p:grpSpPr>
+        <a:xfrm>
+          <a:off x="0" y="0"/>
+          <a:ext cx="0" cy="0"/>
+          <a:chOff x="0" y="0"/>
+          <a:chExt cx="0" cy="0"/>
+        </a:xfrm>
+      </p:grpSpPr>
+      <p:sp>
+        <p:nvSpPr>
+          <p:cNvPr id="2" name="슬라이드 이미지 개체 틀 1"/>
+          <p:cNvSpPr>
+            <a:spLocks noGrp="1" noRot="1" noChangeAspect="1"/>
+          </p:cNvSpPr>
+          <p:nvPr>
+            <p:ph type="sldImg"/>
+          </p:nvPr>
+        </p:nvSpPr>
+        <p:spPr/>
+      </p:sp>
+      <p:sp>
+        <p:nvSpPr>
+          <p:cNvPr id="3" name="슬라이드 노트 개체 틀 2"/>
+          <p:cNvSpPr>
+            <a:spLocks noGrp="1"/>
+          </p:cNvSpPr>
+          <p:nvPr>
+            <p:ph type="body" idx="1"/>
+          </p:nvPr>
+        </p:nvSpPr>
+        <p:spPr/>
+        <p:txBody>
+          <a:bodyPr/>
+          <a:lstStyle/>
+          <a:p>
+            <a:r>
+              <a:rPr kumimoji="1" lang="en-US" altLang="ko-KR" dirty="0" smtClean="0"/>
+              <a:t>import </a:t>
+            </a:r>
+            <a:r>
+              <a:rPr kumimoji="1" lang="en-US" altLang="ko-KR" dirty="0" err="1" smtClean="0"/>
+              <a:t>numpy</a:t>
+            </a:r>
+            <a:r>
+              <a:rPr kumimoji="1" lang="en-US" altLang="ko-KR" dirty="0" smtClean="0"/>
+              <a:t> as np</a:t>
+            </a:r>
+          </a:p>
+          <a:p>
+            <a:r>
+              <a:rPr kumimoji="1" lang="en-US" altLang="ko-KR" dirty="0" smtClean="0"/>
+              <a:t>import tensor flow as </a:t>
+            </a:r>
+            <a:r>
+              <a:rPr kumimoji="1" lang="en-US" altLang="ko-KR" dirty="0" err="1" smtClean="0"/>
+              <a:t>tf</a:t>
+            </a:r>
+            <a:endParaRPr kumimoji="1" lang="en-US" altLang="ko-KR" dirty="0" smtClean="0"/>
+          </a:p>
+          <a:p>
+            <a:r>
+              <a:rPr kumimoji="1" lang="en-US" altLang="ko-KR" dirty="0" smtClean="0"/>
+              <a:t>import </a:t>
+            </a:r>
+            <a:r>
+              <a:rPr kumimoji="1" lang="en-US" altLang="ko-KR" dirty="0" err="1" smtClean="0"/>
+              <a:t>matplotlib.pyplot</a:t>
+            </a:r>
+            <a:r>
+              <a:rPr kumimoji="1" lang="en-US" altLang="ko-KR" dirty="0" smtClean="0"/>
+              <a:t> as </a:t>
+            </a:r>
+            <a:r>
+              <a:rPr kumimoji="1" lang="en-US" altLang="ko-KR" dirty="0" err="1" smtClean="0"/>
+              <a:t>plt</a:t>
+            </a:r>
+            <a:endParaRPr kumimoji="1" lang="en-US" altLang="ko-KR" dirty="0" smtClean="0"/>
+          </a:p>
+          <a:p>
+            <a:r>
+              <a:rPr kumimoji="1" lang="en-US" altLang="ko-KR" dirty="0" smtClean="0"/>
+              <a:t>from </a:t>
+            </a:r>
+            <a:r>
+              <a:rPr kumimoji="1" lang="en-US" altLang="ko-KR" dirty="0" err="1" smtClean="0"/>
+              <a:t>tensorflow.examples.tutorials.mnist</a:t>
+            </a:r>
+            <a:r>
+              <a:rPr kumimoji="1" lang="en-US" altLang="ko-KR" dirty="0" smtClean="0"/>
+              <a:t> </a:t>
+            </a:r>
+          </a:p>
+          <a:p>
+            <a:r>
+              <a:rPr kumimoji="1" lang="en-US" altLang="ko-KR" dirty="0" smtClean="0"/>
+              <a:t>import </a:t>
+            </a:r>
+            <a:r>
+              <a:rPr kumimoji="1" lang="en-US" altLang="ko-KR" dirty="0" err="1" smtClean="0"/>
+              <a:t>input_data</a:t>
+            </a:r>
+            <a:endParaRPr kumimoji="1" lang="en-US" altLang="ko-KR" dirty="0" smtClean="0"/>
+          </a:p>
+          <a:p>
+            <a:r>
+              <a:rPr kumimoji="1" lang="en-US" altLang="ko-KR" dirty="0" smtClean="0"/>
+              <a:t>%</a:t>
+            </a:r>
+            <a:r>
+              <a:rPr kumimoji="1" lang="en-US" altLang="ko-KR" dirty="0" err="1" smtClean="0"/>
+              <a:t>matplotlib</a:t>
+            </a:r>
+            <a:r>
+              <a:rPr kumimoji="1" lang="en-US" altLang="ko-KR" dirty="0" smtClean="0"/>
+              <a:t> inline  print ("PACKAGES LOADED")</a:t>
+            </a:r>
+            <a:endParaRPr kumimoji="1" lang="ko-KR" altLang="en-US" dirty="0"/>
+          </a:p>
+        </p:txBody>
+      </p:sp>
+      <p:sp>
+        <p:nvSpPr>
+          <p:cNvPr id="4" name="슬라이드 번호 개체 틀 3"/>
+          <p:cNvSpPr>
+            <a:spLocks noGrp="1"/>
+          </p:cNvSpPr>
+          <p:nvPr>
+            <p:ph type="sldNum" sz="quarter" idx="10"/>
+          </p:nvPr>
+        </p:nvSpPr>
+        <p:spPr/>
+        <p:txBody>
+          <a:bodyPr/>
+          <a:lstStyle/>
+          <a:p>
+            <a:fld id="{3C7970E3-E969-4B5B-B387-9B817F0C226C}" type="slidenum">
+              <a:rPr lang="ko-KR" altLang="en-US" smtClean="0"/>
+              <a:pPr/>
+              <a:t>4</a:t>
+            </a:fld>
+            <a:endParaRPr lang="ko-KR" altLang="en-US"/>
+          </a:p>
+        </p:txBody>
+      </p:sp>
+    </p:spTree>
+    <p:extLst>
+      <p:ext uri="{BB962C8B-B14F-4D97-AF65-F5344CB8AC3E}">
+        <p14:creationId xmlns:p14="http://schemas.microsoft.com/office/powerpoint/2010/main" val="1623932600"/>
+      </p:ext>
+    </p:extLst>
+  </p:cSld>
+  <p:clrMapOvr>
+    <a:masterClrMapping/>
+  </p:clrMapOvr>
+</p:notes>
+</file>
+
+<file path=ppt/notesSlides/notesSlide4.xml><?xml version="1.0" encoding="utf-8"?>
+<p:notes xmlns:a="http://schemas.openxmlformats.org/drawingml/2006/main" xmlns:r="http://schemas.openxmlformats.org/officeDocument/2006/relationships" xmlns:p="http://schemas.openxmlformats.org/presentationml/2006/main">
+  <p:cSld>
+    <p:spTree>
+      <p:nvGrpSpPr>
+        <p:cNvPr id="1" name=""/>
+        <p:cNvGrpSpPr/>
+        <p:nvPr/>
+      </p:nvGrpSpPr>
+      <p:grpSpPr>
+        <a:xfrm>
+          <a:off x="0" y="0"/>
+          <a:ext cx="0" cy="0"/>
+          <a:chOff x="0" y="0"/>
+          <a:chExt cx="0" cy="0"/>
+        </a:xfrm>
+      </p:grpSpPr>
+      <p:sp>
+        <p:nvSpPr>
+          <p:cNvPr id="2" name="슬라이드 이미지 개체 틀 1"/>
+          <p:cNvSpPr>
+            <a:spLocks noGrp="1" noRot="1" noChangeAspect="1"/>
+          </p:cNvSpPr>
+          <p:nvPr>
+            <p:ph type="sldImg"/>
+          </p:nvPr>
+        </p:nvSpPr>
+        <p:spPr/>
+      </p:sp>
+      <p:sp>
+        <p:nvSpPr>
+          <p:cNvPr id="3" name="슬라이드 노트 개체 틀 2"/>
+          <p:cNvSpPr>
+            <a:spLocks noGrp="1"/>
+          </p:cNvSpPr>
+          <p:nvPr>
+            <p:ph type="body" idx="1"/>
+          </p:nvPr>
+        </p:nvSpPr>
+        <p:spPr/>
+        <p:txBody>
+          <a:bodyPr/>
+          <a:lstStyle/>
+          <a:p>
+            <a:r>
+              <a:rPr kumimoji="1" lang="en-US" altLang="ko-KR" dirty="0" smtClean="0"/>
+              <a:t>import </a:t>
+            </a:r>
+            <a:r>
+              <a:rPr kumimoji="1" lang="en-US" altLang="ko-KR" dirty="0" err="1" smtClean="0"/>
+              <a:t>numpy</a:t>
+            </a:r>
+            <a:r>
+              <a:rPr kumimoji="1" lang="en-US" altLang="ko-KR" dirty="0" smtClean="0"/>
+              <a:t> as np</a:t>
+            </a:r>
+          </a:p>
+          <a:p>
+            <a:r>
+              <a:rPr kumimoji="1" lang="en-US" altLang="ko-KR" dirty="0" smtClean="0"/>
+              <a:t>import tensor flow as </a:t>
+            </a:r>
+            <a:r>
+              <a:rPr kumimoji="1" lang="en-US" altLang="ko-KR" dirty="0" err="1" smtClean="0"/>
+              <a:t>tf</a:t>
+            </a:r>
+            <a:endParaRPr kumimoji="1" lang="en-US" altLang="ko-KR" dirty="0" smtClean="0"/>
+          </a:p>
+          <a:p>
+            <a:r>
+              <a:rPr kumimoji="1" lang="en-US" altLang="ko-KR" dirty="0" smtClean="0"/>
+              <a:t>import </a:t>
+            </a:r>
+            <a:r>
+              <a:rPr kumimoji="1" lang="en-US" altLang="ko-KR" dirty="0" err="1" smtClean="0"/>
+              <a:t>matplotlib.pyplot</a:t>
+            </a:r>
+            <a:r>
+              <a:rPr kumimoji="1" lang="en-US" altLang="ko-KR" dirty="0" smtClean="0"/>
+              <a:t> as </a:t>
+            </a:r>
+            <a:r>
+              <a:rPr kumimoji="1" lang="en-US" altLang="ko-KR" dirty="0" err="1" smtClean="0"/>
+              <a:t>plt</a:t>
+            </a:r>
+            <a:endParaRPr kumimoji="1" lang="en-US" altLang="ko-KR" dirty="0" smtClean="0"/>
+          </a:p>
+          <a:p>
+            <a:r>
+              <a:rPr kumimoji="1" lang="en-US" altLang="ko-KR" dirty="0" smtClean="0"/>
+              <a:t>from </a:t>
+            </a:r>
+            <a:r>
+              <a:rPr kumimoji="1" lang="en-US" altLang="ko-KR" dirty="0" err="1" smtClean="0"/>
+              <a:t>tensorflow.examples.tutorials.mnist</a:t>
+            </a:r>
+            <a:r>
+              <a:rPr kumimoji="1" lang="en-US" altLang="ko-KR" dirty="0" smtClean="0"/>
+              <a:t> </a:t>
+            </a:r>
+          </a:p>
+          <a:p>
+            <a:r>
+              <a:rPr kumimoji="1" lang="en-US" altLang="ko-KR" dirty="0" smtClean="0"/>
+              <a:t>import </a:t>
+            </a:r>
+            <a:r>
+              <a:rPr kumimoji="1" lang="en-US" altLang="ko-KR" dirty="0" err="1" smtClean="0"/>
+              <a:t>input_data</a:t>
+            </a:r>
+            <a:endParaRPr kumimoji="1" lang="en-US" altLang="ko-KR" dirty="0" smtClean="0"/>
+          </a:p>
+          <a:p>
+            <a:r>
+              <a:rPr kumimoji="1" lang="en-US" altLang="ko-KR" dirty="0" smtClean="0"/>
+              <a:t>%</a:t>
+            </a:r>
+            <a:r>
+              <a:rPr kumimoji="1" lang="en-US" altLang="ko-KR" dirty="0" err="1" smtClean="0"/>
+              <a:t>matplotlib</a:t>
+            </a:r>
+            <a:r>
+              <a:rPr kumimoji="1" lang="en-US" altLang="ko-KR" dirty="0" smtClean="0"/>
+              <a:t> inline  print ("PACKAGES LOADED")</a:t>
+            </a:r>
+            <a:endParaRPr kumimoji="1" lang="ko-KR" altLang="en-US" dirty="0"/>
+          </a:p>
+        </p:txBody>
+      </p:sp>
+      <p:sp>
+        <p:nvSpPr>
+          <p:cNvPr id="4" name="슬라이드 번호 개체 틀 3"/>
+          <p:cNvSpPr>
+            <a:spLocks noGrp="1"/>
+          </p:cNvSpPr>
+          <p:nvPr>
+            <p:ph type="sldNum" sz="quarter" idx="10"/>
+          </p:nvPr>
+        </p:nvSpPr>
+        <p:spPr/>
+        <p:txBody>
+          <a:bodyPr/>
+          <a:lstStyle/>
+          <a:p>
+            <a:fld id="{3C7970E3-E969-4B5B-B387-9B817F0C226C}" type="slidenum">
+              <a:rPr lang="ko-KR" altLang="en-US" smtClean="0"/>
+              <a:pPr/>
+              <a:t>5</a:t>
+            </a:fld>
+            <a:endParaRPr lang="ko-KR" altLang="en-US"/>
+          </a:p>
+        </p:txBody>
+      </p:sp>
+    </p:spTree>
+    <p:extLst>
+      <p:ext uri="{BB962C8B-B14F-4D97-AF65-F5344CB8AC3E}">
+        <p14:creationId xmlns:p14="http://schemas.microsoft.com/office/powerpoint/2010/main" val="639050606"/>
+      </p:ext>
+    </p:extLst>
+  </p:cSld>
+  <p:clrMapOvr>
+    <a:masterClrMapping/>
+  </p:clrMapOvr>
+</p:notes>
+</file>
+
+<file path=ppt/notesSlides/notesSlide5.xml><?xml version="1.0" encoding="utf-8"?>
+<p:notes xmlns:a="http://schemas.openxmlformats.org/drawingml/2006/main" xmlns:r="http://schemas.openxmlformats.org/officeDocument/2006/relationships" xmlns:p="http://schemas.openxmlformats.org/presentationml/2006/main">
+  <p:cSld>
+    <p:spTree>
+      <p:nvGrpSpPr>
+        <p:cNvPr id="1" name=""/>
+        <p:cNvGrpSpPr/>
+        <p:nvPr/>
+      </p:nvGrpSpPr>
+      <p:grpSpPr>
+        <a:xfrm>
+          <a:off x="0" y="0"/>
+          <a:ext cx="0" cy="0"/>
+          <a:chOff x="0" y="0"/>
+          <a:chExt cx="0" cy="0"/>
+        </a:xfrm>
+      </p:grpSpPr>
+      <p:sp>
+        <p:nvSpPr>
+          <p:cNvPr id="2" name="슬라이드 이미지 개체 틀 1"/>
+          <p:cNvSpPr>
+            <a:spLocks noGrp="1" noRot="1" noChangeAspect="1"/>
+          </p:cNvSpPr>
+          <p:nvPr>
+            <p:ph type="sldImg"/>
+          </p:nvPr>
+        </p:nvSpPr>
+        <p:spPr/>
+      </p:sp>
+      <p:sp>
+        <p:nvSpPr>
+          <p:cNvPr id="3" name="슬라이드 노트 개체 틀 2"/>
+          <p:cNvSpPr>
+            <a:spLocks noGrp="1"/>
+          </p:cNvSpPr>
+          <p:nvPr>
+            <p:ph type="body" idx="1"/>
+          </p:nvPr>
+        </p:nvSpPr>
+        <p:spPr/>
+        <p:txBody>
+          <a:bodyPr/>
+          <a:lstStyle/>
+          <a:p>
+            <a:r>
+              <a:rPr kumimoji="1" lang="en-US" altLang="ko-KR" dirty="0" smtClean="0"/>
+              <a:t>import </a:t>
+            </a:r>
+            <a:r>
+              <a:rPr kumimoji="1" lang="en-US" altLang="ko-KR" dirty="0" err="1" smtClean="0"/>
+              <a:t>numpy</a:t>
+            </a:r>
+            <a:r>
+              <a:rPr kumimoji="1" lang="en-US" altLang="ko-KR" dirty="0" smtClean="0"/>
+              <a:t> as np</a:t>
+            </a:r>
+          </a:p>
+          <a:p>
+            <a:r>
+              <a:rPr kumimoji="1" lang="en-US" altLang="ko-KR" dirty="0" smtClean="0"/>
+              <a:t>import tensor flow as </a:t>
+            </a:r>
+            <a:r>
+              <a:rPr kumimoji="1" lang="en-US" altLang="ko-KR" dirty="0" err="1" smtClean="0"/>
+              <a:t>tf</a:t>
+            </a:r>
+            <a:endParaRPr kumimoji="1" lang="en-US" altLang="ko-KR" dirty="0" smtClean="0"/>
+          </a:p>
+          <a:p>
+            <a:r>
+              <a:rPr kumimoji="1" lang="en-US" altLang="ko-KR" dirty="0" smtClean="0"/>
+              <a:t>import </a:t>
+            </a:r>
+            <a:r>
+              <a:rPr kumimoji="1" lang="en-US" altLang="ko-KR" dirty="0" err="1" smtClean="0"/>
+              <a:t>matplotlib.pyplot</a:t>
+            </a:r>
+            <a:r>
+              <a:rPr kumimoji="1" lang="en-US" altLang="ko-KR" dirty="0" smtClean="0"/>
+              <a:t> as </a:t>
+            </a:r>
+            <a:r>
+              <a:rPr kumimoji="1" lang="en-US" altLang="ko-KR" dirty="0" err="1" smtClean="0"/>
+              <a:t>plt</a:t>
+            </a:r>
+            <a:endParaRPr kumimoji="1" lang="en-US" altLang="ko-KR" dirty="0" smtClean="0"/>
+          </a:p>
+          <a:p>
+            <a:r>
+              <a:rPr kumimoji="1" lang="en-US" altLang="ko-KR" dirty="0" smtClean="0"/>
+              <a:t>from </a:t>
+            </a:r>
+            <a:r>
+              <a:rPr kumimoji="1" lang="en-US" altLang="ko-KR" dirty="0" err="1" smtClean="0"/>
+              <a:t>tensorflow.examples.tutorials.mnist</a:t>
+            </a:r>
+            <a:r>
+              <a:rPr kumimoji="1" lang="en-US" altLang="ko-KR" dirty="0" smtClean="0"/>
+              <a:t> </a:t>
+            </a:r>
+          </a:p>
+          <a:p>
+            <a:r>
+              <a:rPr kumimoji="1" lang="en-US" altLang="ko-KR" dirty="0" smtClean="0"/>
+              <a:t>import </a:t>
+            </a:r>
+            <a:r>
+              <a:rPr kumimoji="1" lang="en-US" altLang="ko-KR" dirty="0" err="1" smtClean="0"/>
+              <a:t>input_data</a:t>
+            </a:r>
+            <a:endParaRPr kumimoji="1" lang="en-US" altLang="ko-KR" dirty="0" smtClean="0"/>
+          </a:p>
+          <a:p>
+            <a:r>
+              <a:rPr kumimoji="1" lang="en-US" altLang="ko-KR" dirty="0" smtClean="0"/>
+              <a:t>%</a:t>
+            </a:r>
+            <a:r>
+              <a:rPr kumimoji="1" lang="en-US" altLang="ko-KR" dirty="0" err="1" smtClean="0"/>
+              <a:t>matplotlib</a:t>
+            </a:r>
+            <a:r>
+              <a:rPr kumimoji="1" lang="en-US" altLang="ko-KR" dirty="0" smtClean="0"/>
+              <a:t> inline  print ("PACKAGES LOADED")</a:t>
+            </a:r>
+            <a:endParaRPr kumimoji="1" lang="ko-KR" altLang="en-US" dirty="0"/>
+          </a:p>
+        </p:txBody>
+      </p:sp>
+      <p:sp>
+        <p:nvSpPr>
+          <p:cNvPr id="4" name="슬라이드 번호 개체 틀 3"/>
+          <p:cNvSpPr>
+            <a:spLocks noGrp="1"/>
+          </p:cNvSpPr>
+          <p:nvPr>
+            <p:ph type="sldNum" sz="quarter" idx="10"/>
+          </p:nvPr>
+        </p:nvSpPr>
+        <p:spPr/>
+        <p:txBody>
+          <a:bodyPr/>
+          <a:lstStyle/>
+          <a:p>
+            <a:fld id="{3C7970E3-E969-4B5B-B387-9B817F0C226C}" type="slidenum">
+              <a:rPr lang="ko-KR" altLang="en-US" smtClean="0"/>
+              <a:pPr/>
+              <a:t>6</a:t>
+            </a:fld>
+            <a:endParaRPr lang="ko-KR" altLang="en-US"/>
+          </a:p>
+        </p:txBody>
+      </p:sp>
+    </p:spTree>
+    <p:extLst>
+      <p:ext uri="{BB962C8B-B14F-4D97-AF65-F5344CB8AC3E}">
+        <p14:creationId xmlns:p14="http://schemas.microsoft.com/office/powerpoint/2010/main" val="482732853"/>
+      </p:ext>
+    </p:extLst>
+  </p:cSld>
+  <p:clrMapOvr>
+    <a:masterClrMapping/>
+  </p:clrMapOvr>
+</p:notes>
+</file>
+
+<file path=ppt/notesSlides/notesSlide6.xml><?xml version="1.0" encoding="utf-8"?>
+<p:notes xmlns:a="http://schemas.openxmlformats.org/drawingml/2006/main" xmlns:r="http://schemas.openxmlformats.org/officeDocument/2006/relationships" xmlns:p="http://schemas.openxmlformats.org/presentationml/2006/main">
+  <p:cSld>
+    <p:spTree>
+      <p:nvGrpSpPr>
+        <p:cNvPr id="1" name=""/>
+        <p:cNvGrpSpPr/>
+        <p:nvPr/>
+      </p:nvGrpSpPr>
+      <p:grpSpPr>
+        <a:xfrm>
+          <a:off x="0" y="0"/>
+          <a:ext cx="0" cy="0"/>
+          <a:chOff x="0" y="0"/>
+          <a:chExt cx="0" cy="0"/>
+        </a:xfrm>
+      </p:grpSpPr>
+      <p:sp>
+        <p:nvSpPr>
+          <p:cNvPr id="2" name="슬라이드 이미지 개체 틀 1"/>
+          <p:cNvSpPr>
+            <a:spLocks noGrp="1" noRot="1" noChangeAspect="1"/>
+          </p:cNvSpPr>
+          <p:nvPr>
+            <p:ph type="sldImg"/>
+          </p:nvPr>
+        </p:nvSpPr>
+        <p:spPr/>
+      </p:sp>
+      <p:sp>
+        <p:nvSpPr>
+          <p:cNvPr id="3" name="슬라이드 노트 개체 틀 2"/>
+          <p:cNvSpPr>
+            <a:spLocks noGrp="1"/>
+          </p:cNvSpPr>
+          <p:nvPr>
+            <p:ph type="body" idx="1"/>
+          </p:nvPr>
+        </p:nvSpPr>
+        <p:spPr/>
+        <p:txBody>
+          <a:bodyPr/>
+          <a:lstStyle/>
+          <a:p>
+            <a:r>
+              <a:rPr kumimoji="1" lang="en-US" altLang="ko-KR" dirty="0" smtClean="0"/>
+              <a:t>import </a:t>
+            </a:r>
+            <a:r>
+              <a:rPr kumimoji="1" lang="en-US" altLang="ko-KR" dirty="0" err="1" smtClean="0"/>
+              <a:t>numpy</a:t>
+            </a:r>
+            <a:r>
+              <a:rPr kumimoji="1" lang="en-US" altLang="ko-KR" dirty="0" smtClean="0"/>
+              <a:t> as np</a:t>
+            </a:r>
+          </a:p>
+          <a:p>
+            <a:r>
+              <a:rPr kumimoji="1" lang="en-US" altLang="ko-KR" dirty="0" smtClean="0"/>
+              <a:t>import tensor flow as </a:t>
+            </a:r>
+            <a:r>
+              <a:rPr kumimoji="1" lang="en-US" altLang="ko-KR" dirty="0" err="1" smtClean="0"/>
+              <a:t>tf</a:t>
+            </a:r>
+            <a:endParaRPr kumimoji="1" lang="en-US" altLang="ko-KR" dirty="0" smtClean="0"/>
+          </a:p>
+          <a:p>
+            <a:r>
+              <a:rPr kumimoji="1" lang="en-US" altLang="ko-KR" dirty="0" smtClean="0"/>
+              <a:t>import </a:t>
+            </a:r>
+            <a:r>
+              <a:rPr kumimoji="1" lang="en-US" altLang="ko-KR" dirty="0" err="1" smtClean="0"/>
+              <a:t>matplotlib.pyplot</a:t>
+            </a:r>
+            <a:r>
+              <a:rPr kumimoji="1" lang="en-US" altLang="ko-KR" dirty="0" smtClean="0"/>
+              <a:t> as </a:t>
+            </a:r>
+            <a:r>
+              <a:rPr kumimoji="1" lang="en-US" altLang="ko-KR" dirty="0" err="1" smtClean="0"/>
+              <a:t>plt</a:t>
+            </a:r>
+            <a:endParaRPr kumimoji="1" lang="en-US" altLang="ko-KR" dirty="0" smtClean="0"/>
+          </a:p>
+          <a:p>
+            <a:r>
+              <a:rPr kumimoji="1" lang="en-US" altLang="ko-KR" dirty="0" smtClean="0"/>
+              <a:t>from </a:t>
+            </a:r>
+            <a:r>
+              <a:rPr kumimoji="1" lang="en-US" altLang="ko-KR" dirty="0" err="1" smtClean="0"/>
+              <a:t>tensorflow.examples.tutorials.mnist</a:t>
+            </a:r>
+            <a:r>
+              <a:rPr kumimoji="1" lang="en-US" altLang="ko-KR" dirty="0" smtClean="0"/>
+              <a:t> </a:t>
+            </a:r>
+          </a:p>
+          <a:p>
+            <a:r>
+              <a:rPr kumimoji="1" lang="en-US" altLang="ko-KR" dirty="0" smtClean="0"/>
+              <a:t>import </a:t>
+            </a:r>
+            <a:r>
+              <a:rPr kumimoji="1" lang="en-US" altLang="ko-KR" dirty="0" err="1" smtClean="0"/>
+              <a:t>input_data</a:t>
+            </a:r>
+            <a:endParaRPr kumimoji="1" lang="en-US" altLang="ko-KR" dirty="0" smtClean="0"/>
+          </a:p>
+          <a:p>
+            <a:r>
+              <a:rPr kumimoji="1" lang="en-US" altLang="ko-KR" dirty="0" smtClean="0"/>
+              <a:t>%</a:t>
+            </a:r>
+            <a:r>
+              <a:rPr kumimoji="1" lang="en-US" altLang="ko-KR" dirty="0" err="1" smtClean="0"/>
+              <a:t>matplotlib</a:t>
+            </a:r>
+            <a:r>
+              <a:rPr kumimoji="1" lang="en-US" altLang="ko-KR" dirty="0" smtClean="0"/>
+              <a:t> inline  print ("PACKAGES LOADED")</a:t>
+            </a:r>
+            <a:endParaRPr kumimoji="1" lang="ko-KR" altLang="en-US" dirty="0"/>
+          </a:p>
+        </p:txBody>
+      </p:sp>
+      <p:sp>
+        <p:nvSpPr>
+          <p:cNvPr id="4" name="슬라이드 번호 개체 틀 3"/>
+          <p:cNvSpPr>
+            <a:spLocks noGrp="1"/>
+          </p:cNvSpPr>
+          <p:nvPr>
+            <p:ph type="sldNum" sz="quarter" idx="10"/>
+          </p:nvPr>
+        </p:nvSpPr>
+        <p:spPr/>
+        <p:txBody>
+          <a:bodyPr/>
+          <a:lstStyle/>
+          <a:p>
+            <a:fld id="{3C7970E3-E969-4B5B-B387-9B817F0C226C}" type="slidenum">
+              <a:rPr lang="ko-KR" altLang="en-US" smtClean="0"/>
+              <a:pPr/>
+              <a:t>7</a:t>
+            </a:fld>
+            <a:endParaRPr lang="ko-KR" altLang="en-US"/>
+          </a:p>
+        </p:txBody>
+      </p:sp>
+    </p:spTree>
+    <p:extLst>
+      <p:ext uri="{BB962C8B-B14F-4D97-AF65-F5344CB8AC3E}">
+        <p14:creationId xmlns:p14="http://schemas.microsoft.com/office/powerpoint/2010/main" val="1605588080"/>
+      </p:ext>
+    </p:extLst>
+  </p:cSld>
+  <p:clrMapOvr>
+    <a:masterClrMapping/>
+  </p:clrMapOvr>
+</p:notes>
+</file>
+
+<file path=ppt/notesSlides/notesSlide7.xml><?xml version="1.0" encoding="utf-8"?>
+<p:notes xmlns:a="http://schemas.openxmlformats.org/drawingml/2006/main" xmlns:r="http://schemas.openxmlformats.org/officeDocument/2006/relationships" xmlns:p="http://schemas.openxmlformats.org/presentationml/2006/main">
+  <p:cSld>
+    <p:spTree>
+      <p:nvGrpSpPr>
+        <p:cNvPr id="1" name=""/>
+        <p:cNvGrpSpPr/>
+        <p:nvPr/>
+      </p:nvGrpSpPr>
+      <p:grpSpPr>
+        <a:xfrm>
+          <a:off x="0" y="0"/>
+          <a:ext cx="0" cy="0"/>
+          <a:chOff x="0" y="0"/>
+          <a:chExt cx="0" cy="0"/>
+        </a:xfrm>
+      </p:grpSpPr>
+      <p:sp>
+        <p:nvSpPr>
+          <p:cNvPr id="2" name="슬라이드 이미지 개체 틀 1"/>
+          <p:cNvSpPr>
+            <a:spLocks noGrp="1" noRot="1" noChangeAspect="1"/>
+          </p:cNvSpPr>
+          <p:nvPr>
+            <p:ph type="sldImg"/>
+          </p:nvPr>
+        </p:nvSpPr>
+        <p:spPr/>
+      </p:sp>
+      <p:sp>
+        <p:nvSpPr>
+          <p:cNvPr id="3" name="슬라이드 노트 개체 틀 2"/>
+          <p:cNvSpPr>
+            <a:spLocks noGrp="1"/>
+          </p:cNvSpPr>
+          <p:nvPr>
+            <p:ph type="body" idx="1"/>
+          </p:nvPr>
+        </p:nvSpPr>
+        <p:spPr/>
+        <p:txBody>
+          <a:bodyPr/>
+          <a:lstStyle/>
+          <a:p>
+            <a:r>
+              <a:rPr kumimoji="1" lang="en-US" altLang="ko-KR" dirty="0" smtClean="0"/>
+              <a:t>import </a:t>
+            </a:r>
+            <a:r>
+              <a:rPr kumimoji="1" lang="en-US" altLang="ko-KR" dirty="0" err="1" smtClean="0"/>
+              <a:t>numpy</a:t>
+            </a:r>
+            <a:r>
+              <a:rPr kumimoji="1" lang="en-US" altLang="ko-KR" dirty="0" smtClean="0"/>
+              <a:t> as np</a:t>
+            </a:r>
+          </a:p>
+          <a:p>
+            <a:r>
+              <a:rPr kumimoji="1" lang="en-US" altLang="ko-KR" dirty="0" smtClean="0"/>
+              <a:t>import tensor flow as </a:t>
+            </a:r>
+            <a:r>
+              <a:rPr kumimoji="1" lang="en-US" altLang="ko-KR" dirty="0" err="1" smtClean="0"/>
+              <a:t>tf</a:t>
+            </a:r>
+            <a:endParaRPr kumimoji="1" lang="en-US" altLang="ko-KR" dirty="0" smtClean="0"/>
+          </a:p>
+          <a:p>
+            <a:r>
+              <a:rPr kumimoji="1" lang="en-US" altLang="ko-KR" dirty="0" smtClean="0"/>
+              <a:t>import </a:t>
+            </a:r>
+            <a:r>
+              <a:rPr kumimoji="1" lang="en-US" altLang="ko-KR" dirty="0" err="1" smtClean="0"/>
+              <a:t>matplotlib.pyplot</a:t>
+            </a:r>
+            <a:r>
+              <a:rPr kumimoji="1" lang="en-US" altLang="ko-KR" dirty="0" smtClean="0"/>
+              <a:t> as </a:t>
+            </a:r>
+            <a:r>
+              <a:rPr kumimoji="1" lang="en-US" altLang="ko-KR" dirty="0" err="1" smtClean="0"/>
+              <a:t>plt</a:t>
+            </a:r>
+            <a:endParaRPr kumimoji="1" lang="en-US" altLang="ko-KR" dirty="0" smtClean="0"/>
+          </a:p>
+          <a:p>
+            <a:r>
+              <a:rPr kumimoji="1" lang="en-US" altLang="ko-KR" dirty="0" smtClean="0"/>
+              <a:t>from </a:t>
+            </a:r>
+            <a:r>
+              <a:rPr kumimoji="1" lang="en-US" altLang="ko-KR" dirty="0" err="1" smtClean="0"/>
+              <a:t>tensorflow.examples.tutorials.mnist</a:t>
+            </a:r>
+            <a:r>
+              <a:rPr kumimoji="1" lang="en-US" altLang="ko-KR" dirty="0" smtClean="0"/>
+              <a:t> </a:t>
+            </a:r>
+          </a:p>
+          <a:p>
+            <a:r>
+              <a:rPr kumimoji="1" lang="en-US" altLang="ko-KR" dirty="0" smtClean="0"/>
+              <a:t>import </a:t>
+            </a:r>
+            <a:r>
+              <a:rPr kumimoji="1" lang="en-US" altLang="ko-KR" dirty="0" err="1" smtClean="0"/>
+              <a:t>input_data</a:t>
+            </a:r>
+            <a:endParaRPr kumimoji="1" lang="en-US" altLang="ko-KR" dirty="0" smtClean="0"/>
+          </a:p>
+          <a:p>
+            <a:r>
+              <a:rPr kumimoji="1" lang="en-US" altLang="ko-KR" dirty="0" smtClean="0"/>
+              <a:t>%</a:t>
+            </a:r>
+            <a:r>
+              <a:rPr kumimoji="1" lang="en-US" altLang="ko-KR" dirty="0" err="1" smtClean="0"/>
+              <a:t>matplotlib</a:t>
+            </a:r>
+            <a:r>
+              <a:rPr kumimoji="1" lang="en-US" altLang="ko-KR" dirty="0" smtClean="0"/>
+              <a:t> inline  print ("PACKAGES LOADED")</a:t>
+            </a:r>
+            <a:endParaRPr kumimoji="1" lang="ko-KR" altLang="en-US" dirty="0"/>
+          </a:p>
+        </p:txBody>
+      </p:sp>
+      <p:sp>
+        <p:nvSpPr>
+          <p:cNvPr id="4" name="슬라이드 번호 개체 틀 3"/>
+          <p:cNvSpPr>
+            <a:spLocks noGrp="1"/>
+          </p:cNvSpPr>
+          <p:nvPr>
+            <p:ph type="sldNum" sz="quarter" idx="10"/>
+          </p:nvPr>
+        </p:nvSpPr>
+        <p:spPr/>
+        <p:txBody>
+          <a:bodyPr/>
+          <a:lstStyle/>
+          <a:p>
+            <a:fld id="{3C7970E3-E969-4B5B-B387-9B817F0C226C}" type="slidenum">
+              <a:rPr lang="ko-KR" altLang="en-US" smtClean="0"/>
+              <a:pPr/>
+              <a:t>8</a:t>
+            </a:fld>
+            <a:endParaRPr lang="ko-KR" altLang="en-US"/>
+          </a:p>
+        </p:txBody>
+      </p:sp>
+    </p:spTree>
+    <p:extLst>
+      <p:ext uri="{BB962C8B-B14F-4D97-AF65-F5344CB8AC3E}">
+        <p14:creationId xmlns:p14="http://schemas.microsoft.com/office/powerpoint/2010/main" val="1529508832"/>
+      </p:ext>
+    </p:extLst>
+  </p:cSld>
+  <p:clrMapOvr>
+    <a:masterClrMapping/>
+  </p:clrMapOvr>
+</p:notes>
+</file>
+
+<file path=ppt/notesSlides/notesSlide8.xml><?xml version="1.0" encoding="utf-8"?>
+<p:notes xmlns:a="http://schemas.openxmlformats.org/drawingml/2006/main" xmlns:r="http://schemas.openxmlformats.org/officeDocument/2006/relationships" xmlns:p="http://schemas.openxmlformats.org/presentationml/2006/main">
+  <p:cSld>
+    <p:spTree>
+      <p:nvGrpSpPr>
+        <p:cNvPr id="1" name=""/>
+        <p:cNvGrpSpPr/>
+        <p:nvPr/>
+      </p:nvGrpSpPr>
+      <p:grpSpPr>
+        <a:xfrm>
+          <a:off x="0" y="0"/>
+          <a:ext cx="0" cy="0"/>
+          <a:chOff x="0" y="0"/>
+          <a:chExt cx="0" cy="0"/>
+        </a:xfrm>
+      </p:grpSpPr>
+      <p:sp>
+        <p:nvSpPr>
+          <p:cNvPr id="2" name="슬라이드 이미지 개체 틀 1"/>
+          <p:cNvSpPr>
+            <a:spLocks noGrp="1" noRot="1" noChangeAspect="1"/>
+          </p:cNvSpPr>
+          <p:nvPr>
+            <p:ph type="sldImg"/>
+          </p:nvPr>
+        </p:nvSpPr>
+        <p:spPr/>
+      </p:sp>
+      <p:sp>
+        <p:nvSpPr>
+          <p:cNvPr id="3" name="슬라이드 노트 개체 틀 2"/>
+          <p:cNvSpPr>
+            <a:spLocks noGrp="1"/>
+          </p:cNvSpPr>
+          <p:nvPr>
+            <p:ph type="body" idx="1"/>
+          </p:nvPr>
+        </p:nvSpPr>
+        <p:spPr/>
+        <p:txBody>
+          <a:bodyPr/>
+          <a:lstStyle/>
+          <a:p>
+            <a:r>
+              <a:rPr kumimoji="1" lang="en-US" altLang="ko-KR" dirty="0" smtClean="0"/>
+              <a:t>import </a:t>
+            </a:r>
+            <a:r>
+              <a:rPr kumimoji="1" lang="en-US" altLang="ko-KR" dirty="0" err="1" smtClean="0"/>
+              <a:t>numpy</a:t>
+            </a:r>
+            <a:r>
+              <a:rPr kumimoji="1" lang="en-US" altLang="ko-KR" dirty="0" smtClean="0"/>
+              <a:t> as np</a:t>
+            </a:r>
+          </a:p>
+          <a:p>
+            <a:r>
+              <a:rPr kumimoji="1" lang="en-US" altLang="ko-KR" dirty="0" smtClean="0"/>
+              <a:t>import tensor flow as </a:t>
+            </a:r>
+            <a:r>
+              <a:rPr kumimoji="1" lang="en-US" altLang="ko-KR" dirty="0" err="1" smtClean="0"/>
+              <a:t>tf</a:t>
+            </a:r>
+            <a:endParaRPr kumimoji="1" lang="en-US" altLang="ko-KR" dirty="0" smtClean="0"/>
+          </a:p>
+          <a:p>
+            <a:r>
+              <a:rPr kumimoji="1" lang="en-US" altLang="ko-KR" dirty="0" smtClean="0"/>
+              <a:t>import </a:t>
+            </a:r>
+            <a:r>
+              <a:rPr kumimoji="1" lang="en-US" altLang="ko-KR" dirty="0" err="1" smtClean="0"/>
+              <a:t>matplotlib.pyplot</a:t>
+            </a:r>
+            <a:r>
+              <a:rPr kumimoji="1" lang="en-US" altLang="ko-KR" dirty="0" smtClean="0"/>
+              <a:t> as </a:t>
+            </a:r>
+            <a:r>
+              <a:rPr kumimoji="1" lang="en-US" altLang="ko-KR" dirty="0" err="1" smtClean="0"/>
+              <a:t>plt</a:t>
+            </a:r>
+            <a:endParaRPr kumimoji="1" lang="en-US" altLang="ko-KR" dirty="0" smtClean="0"/>
+          </a:p>
+          <a:p>
+            <a:r>
+              <a:rPr kumimoji="1" lang="en-US" altLang="ko-KR" dirty="0" smtClean="0"/>
+              <a:t>from </a:t>
+            </a:r>
+            <a:r>
+              <a:rPr kumimoji="1" lang="en-US" altLang="ko-KR" dirty="0" err="1" smtClean="0"/>
+              <a:t>tensorflow.examples.tutorials.mnist</a:t>
+            </a:r>
+            <a:r>
+              <a:rPr kumimoji="1" lang="en-US" altLang="ko-KR" dirty="0" smtClean="0"/>
+              <a:t> </a:t>
+            </a:r>
+          </a:p>
+          <a:p>
+            <a:r>
+              <a:rPr kumimoji="1" lang="en-US" altLang="ko-KR" dirty="0" smtClean="0"/>
+              <a:t>import </a:t>
+            </a:r>
+            <a:r>
+              <a:rPr kumimoji="1" lang="en-US" altLang="ko-KR" dirty="0" err="1" smtClean="0"/>
+              <a:t>input_data</a:t>
+            </a:r>
+            <a:endParaRPr kumimoji="1" lang="en-US" altLang="ko-KR" dirty="0" smtClean="0"/>
+          </a:p>
+          <a:p>
+            <a:r>
+              <a:rPr kumimoji="1" lang="en-US" altLang="ko-KR" dirty="0" smtClean="0"/>
+              <a:t>%</a:t>
+            </a:r>
+            <a:r>
+              <a:rPr kumimoji="1" lang="en-US" altLang="ko-KR" dirty="0" err="1" smtClean="0"/>
+              <a:t>matplotlib</a:t>
+            </a:r>
+            <a:r>
+              <a:rPr kumimoji="1" lang="en-US" altLang="ko-KR" dirty="0" smtClean="0"/>
+              <a:t> inline  print ("PACKAGES LOADED")</a:t>
+            </a:r>
+            <a:endParaRPr kumimoji="1" lang="ko-KR" altLang="en-US" dirty="0"/>
+          </a:p>
+        </p:txBody>
+      </p:sp>
+      <p:sp>
+        <p:nvSpPr>
+          <p:cNvPr id="4" name="슬라이드 번호 개체 틀 3"/>
+          <p:cNvSpPr>
+            <a:spLocks noGrp="1"/>
+          </p:cNvSpPr>
+          <p:nvPr>
+            <p:ph type="sldNum" sz="quarter" idx="10"/>
+          </p:nvPr>
+        </p:nvSpPr>
+        <p:spPr/>
+        <p:txBody>
+          <a:bodyPr/>
+          <a:lstStyle/>
+          <a:p>
+            <a:fld id="{3C7970E3-E969-4B5B-B387-9B817F0C226C}" type="slidenum">
+              <a:rPr lang="ko-KR" altLang="en-US" smtClean="0"/>
+              <a:pPr/>
+              <a:t>9</a:t>
+            </a:fld>
+            <a:endParaRPr lang="ko-KR" altLang="en-US"/>
+          </a:p>
+        </p:txBody>
+      </p:sp>
+    </p:spTree>
+    <p:extLst>
+      <p:ext uri="{BB962C8B-B14F-4D97-AF65-F5344CB8AC3E}">
+        <p14:creationId xmlns:p14="http://schemas.microsoft.com/office/powerpoint/2010/main" val="1517664592"/>
+      </p:ext>
+    </p:extLst>
+  </p:cSld>
+  <p:clrMapOvr>
+    <a:masterClrMapping/>
+  </p:clrMapOvr>
+</p:notes>
+</file>
+
+<file path=ppt/notesSlides/notesSlide9.xml><?xml version="1.0" encoding="utf-8"?>
+<p:notes xmlns:a="http://schemas.openxmlformats.org/drawingml/2006/main" xmlns:r="http://schemas.openxmlformats.org/officeDocument/2006/relationships" xmlns:p="http://schemas.openxmlformats.org/presentationml/2006/main">
+  <p:cSld>
+    <p:spTree>
+      <p:nvGrpSpPr>
+        <p:cNvPr id="1" name=""/>
+        <p:cNvGrpSpPr/>
+        <p:nvPr/>
+      </p:nvGrpSpPr>
+      <p:grpSpPr>
+        <a:xfrm>
+          <a:off x="0" y="0"/>
+          <a:ext cx="0" cy="0"/>
+          <a:chOff x="0" y="0"/>
+          <a:chExt cx="0" cy="0"/>
+        </a:xfrm>
+      </p:grpSpPr>
+      <p:sp>
+        <p:nvSpPr>
+          <p:cNvPr id="2" name="슬라이드 이미지 개체 틀 1"/>
+          <p:cNvSpPr>
+            <a:spLocks noGrp="1" noRot="1" noChangeAspect="1"/>
+          </p:cNvSpPr>
+          <p:nvPr>
+            <p:ph type="sldImg"/>
+          </p:nvPr>
+        </p:nvSpPr>
+        <p:spPr/>
+      </p:sp>
+      <p:sp>
+        <p:nvSpPr>
+          <p:cNvPr id="3" name="슬라이드 노트 개체 틀 2"/>
+          <p:cNvSpPr>
+            <a:spLocks noGrp="1"/>
+          </p:cNvSpPr>
+          <p:nvPr>
+            <p:ph type="body" idx="1"/>
+          </p:nvPr>
+        </p:nvSpPr>
+        <p:spPr/>
+        <p:txBody>
+          <a:bodyPr/>
+          <a:lstStyle/>
+          <a:p>
+            <a:r>
+              <a:rPr kumimoji="1" lang="en-US" altLang="ko-KR" dirty="0" smtClean="0"/>
+              <a:t>import </a:t>
+            </a:r>
+            <a:r>
+              <a:rPr kumimoji="1" lang="en-US" altLang="ko-KR" dirty="0" err="1" smtClean="0"/>
+              <a:t>numpy</a:t>
+            </a:r>
+            <a:r>
+              <a:rPr kumimoji="1" lang="en-US" altLang="ko-KR" dirty="0" smtClean="0"/>
+              <a:t> as np</a:t>
+            </a:r>
+          </a:p>
+          <a:p>
+            <a:r>
+              <a:rPr kumimoji="1" lang="en-US" altLang="ko-KR" dirty="0" smtClean="0"/>
+              <a:t>import tensor flow as </a:t>
+            </a:r>
+            <a:r>
+              <a:rPr kumimoji="1" lang="en-US" altLang="ko-KR" dirty="0" err="1" smtClean="0"/>
+              <a:t>tf</a:t>
+            </a:r>
+            <a:endParaRPr kumimoji="1" lang="en-US" altLang="ko-KR" dirty="0" smtClean="0"/>
+          </a:p>
+          <a:p>
+            <a:r>
+              <a:rPr kumimoji="1" lang="en-US" altLang="ko-KR" dirty="0" smtClean="0"/>
+              <a:t>import </a:t>
+            </a:r>
+            <a:r>
+              <a:rPr kumimoji="1" lang="en-US" altLang="ko-KR" dirty="0" err="1" smtClean="0"/>
+              <a:t>matplotlib.pyplot</a:t>
+            </a:r>
+            <a:r>
+              <a:rPr kumimoji="1" lang="en-US" altLang="ko-KR" dirty="0" smtClean="0"/>
+              <a:t> as </a:t>
+            </a:r>
+            <a:r>
+              <a:rPr kumimoji="1" lang="en-US" altLang="ko-KR" dirty="0" err="1" smtClean="0"/>
+              <a:t>plt</a:t>
+            </a:r>
+            <a:endParaRPr kumimoji="1" lang="en-US" altLang="ko-KR" dirty="0" smtClean="0"/>
+          </a:p>
+          <a:p>
+            <a:r>
+              <a:rPr kumimoji="1" lang="en-US" altLang="ko-KR" dirty="0" smtClean="0"/>
+              <a:t>from </a:t>
+            </a:r>
+            <a:r>
+              <a:rPr kumimoji="1" lang="en-US" altLang="ko-KR" dirty="0" err="1" smtClean="0"/>
+              <a:t>tensorflow.examples.tutorials.mnist</a:t>
+            </a:r>
+            <a:r>
+              <a:rPr kumimoji="1" lang="en-US" altLang="ko-KR" dirty="0" smtClean="0"/>
+              <a:t> </a:t>
+            </a:r>
+          </a:p>
+          <a:p>
+            <a:r>
+              <a:rPr kumimoji="1" lang="en-US" altLang="ko-KR" dirty="0" smtClean="0"/>
+              <a:t>import </a:t>
+            </a:r>
+            <a:r>
+              <a:rPr kumimoji="1" lang="en-US" altLang="ko-KR" dirty="0" err="1" smtClean="0"/>
+              <a:t>input_data</a:t>
+            </a:r>
+            <a:endParaRPr kumimoji="1" lang="en-US" altLang="ko-KR" dirty="0" smtClean="0"/>
+          </a:p>
+          <a:p>
+            <a:r>
+              <a:rPr kumimoji="1" lang="en-US" altLang="ko-KR" dirty="0" smtClean="0"/>
+              <a:t>%</a:t>
+            </a:r>
+            <a:r>
+              <a:rPr kumimoji="1" lang="en-US" altLang="ko-KR" dirty="0" err="1" smtClean="0"/>
+              <a:t>matplotlib</a:t>
+            </a:r>
+            <a:r>
+              <a:rPr kumimoji="1" lang="en-US" altLang="ko-KR" dirty="0" smtClean="0"/>
+              <a:t> inline  print ("PACKAGES LOADED")</a:t>
+            </a:r>
+            <a:endParaRPr kumimoji="1" lang="ko-KR" altLang="en-US" dirty="0"/>
+          </a:p>
+        </p:txBody>
+      </p:sp>
+      <p:sp>
+        <p:nvSpPr>
+          <p:cNvPr id="4" name="슬라이드 번호 개체 틀 3"/>
+          <p:cNvSpPr>
+            <a:spLocks noGrp="1"/>
+          </p:cNvSpPr>
+          <p:nvPr>
+            <p:ph type="sldNum" sz="quarter" idx="10"/>
+          </p:nvPr>
+        </p:nvSpPr>
+        <p:spPr/>
+        <p:txBody>
+          <a:bodyPr/>
+          <a:lstStyle/>
+          <a:p>
+            <a:fld id="{3C7970E3-E969-4B5B-B387-9B817F0C226C}" type="slidenum">
+              <a:rPr lang="ko-KR" altLang="en-US" smtClean="0"/>
+              <a:pPr/>
+              <a:t>10</a:t>
+            </a:fld>
+            <a:endParaRPr lang="ko-KR" altLang="en-US"/>
+          </a:p>
+        </p:txBody>
+      </p:sp>
+    </p:spTree>
+    <p:extLst>
+      <p:ext uri="{BB962C8B-B14F-4D97-AF65-F5344CB8AC3E}">
+        <p14:creationId xmlns:p14="http://schemas.microsoft.com/office/powerpoint/2010/main" val="1234547187"/>
+      </p:ext>
+    </p:extLst>
+  </p:cSld>
+  <p:clrMapOvr>
+    <a:masterClrMapping/>
+  </p:clrMapOvr>
+</p:notes>
+</file>
+
 <file path=ppt/slideLayouts/slideLayout1.xml><?xml version="1.0" encoding="utf-8"?>
 <p:sldLayout xmlns:a="http://schemas.openxmlformats.org/drawingml/2006/main" xmlns:r="http://schemas.openxmlformats.org/officeDocument/2006/relationships" xmlns:p="http://schemas.openxmlformats.org/presentationml/2006/main" preserve="1" userDrawn="1">
   <p:cSld name="제목 슬라이드">
@@ -600,7 +2092,7 @@
                 <a:ea typeface="Meiryo UI" pitchFamily="34" charset="-128"/>
               </a:rPr>
               <a:pPr/>
-              <a:t>Saturday, October 29, 2016</a:t>
+              <a:t>Saturday, June 17, 2017</a:t>
             </a:fld>
             <a:endParaRPr lang="ko-KR" altLang="en-US" dirty="0"/>
           </a:p>
@@ -732,7 +2224,7 @@
             <a:fld id="{33A0F7CB-10CC-4FA0-AAB7-60557755851D}" type="datetime1">
               <a:rPr lang="ko-KR" altLang="en-US" smtClean="0"/>
               <a:pPr/>
-              <a:t>2016. 10. 29.</a:t>
+              <a:t>2017. 6. 17.</a:t>
             </a:fld>
             <a:endParaRPr lang="ko-KR" altLang="en-US"/>
           </a:p>
@@ -909,7 +2401,7 @@
             <a:fld id="{2072E3B2-398D-43A2-9FF0-A5DC47D85F0F}" type="datetime1">
               <a:rPr lang="ko-KR" altLang="en-US" smtClean="0"/>
               <a:pPr/>
-              <a:t>2016. 10. 29.</a:t>
+              <a:t>2017. 6. 17.</a:t>
             </a:fld>
             <a:endParaRPr lang="ko-KR" altLang="en-US"/>
           </a:p>
@@ -1423,7 +2915,7 @@
             <a:fld id="{DAC76C8D-0C64-468D-9E07-BA112BE10A5A}" type="datetime1">
               <a:rPr lang="ko-KR" altLang="en-US" smtClean="0"/>
               <a:pPr/>
-              <a:t>2016. 10. 29.</a:t>
+              <a:t>2017. 6. 17.</a:t>
             </a:fld>
             <a:endParaRPr lang="ko-KR" altLang="en-US"/>
           </a:p>
@@ -1713,7 +3205,7 @@
             <a:fld id="{ABCA1450-90AE-4591-9DA4-2F2C0E29B421}" type="datetime1">
               <a:rPr lang="ko-KR" altLang="en-US" smtClean="0"/>
               <a:pPr/>
-              <a:t>2016. 10. 29.</a:t>
+              <a:t>2017. 6. 17.</a:t>
             </a:fld>
             <a:endParaRPr lang="ko-KR" altLang="en-US"/>
           </a:p>
@@ -2139,7 +3631,7 @@
             <a:fld id="{3170F9C2-910D-48E9-A1D4-06EE9E8CCF11}" type="datetime1">
               <a:rPr lang="ko-KR" altLang="en-US" smtClean="0"/>
               <a:pPr/>
-              <a:t>2016. 10. 29.</a:t>
+              <a:t>2017. 6. 17.</a:t>
             </a:fld>
             <a:endParaRPr lang="ko-KR" altLang="en-US"/>
           </a:p>
@@ -2426,7 +3918,7 @@
             <a:fld id="{0A2BF0E3-3B49-48EE-8E65-6F6B7B05A3E6}" type="datetime1">
               <a:rPr lang="ko-KR" altLang="en-US" smtClean="0"/>
               <a:pPr/>
-              <a:t>2016. 10. 29.</a:t>
+              <a:t>2017. 6. 17.</a:t>
             </a:fld>
             <a:endParaRPr lang="ko-KR" altLang="en-US"/>
           </a:p>
@@ -2700,7 +4192,7 @@
             <a:fld id="{D56EDD30-A8D5-4E8F-A388-D7F8914E7797}" type="datetime1">
               <a:rPr lang="ko-KR" altLang="en-US" smtClean="0"/>
               <a:pPr/>
-              <a:t>2016. 10. 29.</a:t>
+              <a:t>2017. 6. 17.</a:t>
             </a:fld>
             <a:endParaRPr lang="ko-KR" altLang="en-US"/>
           </a:p>
@@ -2950,7 +4442,7 @@
             <a:fld id="{BA001FBA-5EDF-4611-9FD5-552C72983771}" type="datetime1">
               <a:rPr lang="ko-KR" altLang="en-US" smtClean="0"/>
               <a:pPr/>
-              <a:t>2016. 10. 29.</a:t>
+              <a:t>2017. 6. 17.</a:t>
             </a:fld>
             <a:endParaRPr lang="ko-KR" altLang="en-US"/>
           </a:p>
@@ -3160,7 +4652,7 @@
             <a:fld id="{1E3DD4C6-1DC2-4462-9A2C-36CF4FD257E7}" type="datetime1">
               <a:rPr lang="ko-KR" altLang="en-US" smtClean="0"/>
               <a:pPr/>
-              <a:t>2016. 10. 29.</a:t>
+              <a:t>2017. 6. 17.</a:t>
             </a:fld>
             <a:endParaRPr lang="ko-KR" altLang="en-US"/>
           </a:p>
@@ -3647,6 +5139,32 @@
           </a:p>
         </p:txBody>
       </p:sp>
+      <p:sp>
+        <p:nvSpPr>
+          <p:cNvPr id="5" name="TextBox 4"/>
+          <p:cNvSpPr txBox="1"/>
+          <p:nvPr/>
+        </p:nvSpPr>
+        <p:spPr>
+          <a:xfrm>
+            <a:off x="1499016" y="674557"/>
+            <a:ext cx="184731" cy="461665"/>
+          </a:xfrm>
+          <a:prstGeom prst="rect">
+            <a:avLst/>
+          </a:prstGeom>
+          <a:noFill/>
+        </p:spPr>
+        <p:txBody>
+          <a:bodyPr wrap="none" rtlCol="0">
+            <a:spAutoFit/>
+          </a:bodyPr>
+          <a:lstStyle/>
+          <a:p>
+            <a:endParaRPr kumimoji="1" lang="ko-KR" altLang="en-US" sz="2400" dirty="0" smtClean="0"/>
+          </a:p>
+        </p:txBody>
+      </p:sp>
       <p:pic>
         <p:nvPicPr>
           <p:cNvPr id="2" name="그림 1"/>
@@ -3656,15 +5174,15 @@
           <p:nvPr/>
         </p:nvPicPr>
         <p:blipFill>
-          <a:blip r:embed="rId2"/>
+          <a:blip r:embed="rId3"/>
           <a:stretch>
             <a:fillRect/>
           </a:stretch>
         </p:blipFill>
         <p:spPr>
           <a:xfrm>
-            <a:off x="0" y="1473200"/>
-            <a:ext cx="9144000" cy="3911600"/>
+            <a:off x="0" y="350391"/>
+            <a:ext cx="9144000" cy="6157218"/>
           </a:xfrm>
           <a:prstGeom prst="rect">
             <a:avLst/>
@@ -3680,15 +5198,15 @@
           <p:nvPr/>
         </p:nvPicPr>
         <p:blipFill>
-          <a:blip r:embed="rId3"/>
+          <a:blip r:embed="rId4"/>
           <a:stretch>
             <a:fillRect/>
           </a:stretch>
         </p:blipFill>
         <p:spPr>
           <a:xfrm>
-            <a:off x="6588224" y="0"/>
-            <a:ext cx="2316554" cy="6858000"/>
+            <a:off x="6156176" y="0"/>
+            <a:ext cx="2173029" cy="6858000"/>
           </a:xfrm>
           <a:prstGeom prst="rect">
             <a:avLst/>
@@ -3698,201 +5216,7 @@
     </p:spTree>
     <p:extLst>
       <p:ext uri="{BB962C8B-B14F-4D97-AF65-F5344CB8AC3E}">
-        <p14:creationId xmlns:p14="http://schemas.microsoft.com/office/powerpoint/2010/main" val="1436539570"/>
-      </p:ext>
-    </p:extLst>
-  </p:cSld>
-  <p:clrMapOvr>
-    <a:masterClrMapping/>
-  </p:clrMapOvr>
-  <p:timing>
-    <p:tnLst>
-      <p:par>
-        <p:cTn id="1" dur="indefinite" restart="never" nodeType="tmRoot"/>
-      </p:par>
-    </p:tnLst>
-  </p:timing>
-</p:sld>
-</file>
-
-<file path=ppt/slides/slide11.xml><?xml version="1.0" encoding="utf-8"?>
-<p:sld xmlns:a="http://schemas.openxmlformats.org/drawingml/2006/main" xmlns:r="http://schemas.openxmlformats.org/officeDocument/2006/relationships" xmlns:p="http://schemas.openxmlformats.org/presentationml/2006/main">
-  <p:cSld>
-    <p:spTree>
-      <p:nvGrpSpPr>
-        <p:cNvPr id="1" name=""/>
-        <p:cNvGrpSpPr/>
-        <p:nvPr/>
-      </p:nvGrpSpPr>
-      <p:grpSpPr>
-        <a:xfrm>
-          <a:off x="0" y="0"/>
-          <a:ext cx="0" cy="0"/>
-          <a:chOff x="0" y="0"/>
-          <a:chExt cx="0" cy="0"/>
-        </a:xfrm>
-      </p:grpSpPr>
-      <p:sp>
-        <p:nvSpPr>
-          <p:cNvPr id="4" name="슬라이드 번호 개체 틀 3"/>
-          <p:cNvSpPr>
-            <a:spLocks noGrp="1"/>
-          </p:cNvSpPr>
-          <p:nvPr>
-            <p:ph type="sldNum" sz="quarter" idx="12"/>
-          </p:nvPr>
-        </p:nvSpPr>
-        <p:spPr/>
-        <p:txBody>
-          <a:bodyPr/>
-          <a:lstStyle/>
-          <a:p>
-            <a:fld id="{4CA1D5AE-3018-49FC-B3E0-A1E0E9567469}" type="slidenum">
-              <a:rPr lang="ko-KR" altLang="en-US" smtClean="0"/>
-              <a:pPr/>
-              <a:t>11</a:t>
-            </a:fld>
-            <a:endParaRPr lang="ko-KR" altLang="en-US"/>
-          </a:p>
-        </p:txBody>
-      </p:sp>
-      <p:pic>
-        <p:nvPicPr>
-          <p:cNvPr id="2" name="그림 1"/>
-          <p:cNvPicPr>
-            <a:picLocks noChangeAspect="1"/>
-          </p:cNvPicPr>
-          <p:nvPr/>
-        </p:nvPicPr>
-        <p:blipFill>
-          <a:blip r:embed="rId2"/>
-          <a:stretch>
-            <a:fillRect/>
-          </a:stretch>
-        </p:blipFill>
-        <p:spPr>
-          <a:xfrm>
-            <a:off x="0" y="1326696"/>
-            <a:ext cx="9144000" cy="4204607"/>
-          </a:xfrm>
-          <a:prstGeom prst="rect">
-            <a:avLst/>
-          </a:prstGeom>
-        </p:spPr>
-      </p:pic>
-    </p:spTree>
-    <p:extLst>
-      <p:ext uri="{BB962C8B-B14F-4D97-AF65-F5344CB8AC3E}">
-        <p14:creationId xmlns:p14="http://schemas.microsoft.com/office/powerpoint/2010/main" val="1909393416"/>
-      </p:ext>
-    </p:extLst>
-  </p:cSld>
-  <p:clrMapOvr>
-    <a:masterClrMapping/>
-  </p:clrMapOvr>
-  <p:timing>
-    <p:tnLst>
-      <p:par>
-        <p:cTn id="1" dur="indefinite" restart="never" nodeType="tmRoot"/>
-      </p:par>
-    </p:tnLst>
-  </p:timing>
-</p:sld>
-</file>
-
-<file path=ppt/slides/slide12.xml><?xml version="1.0" encoding="utf-8"?>
-<p:sld xmlns:a="http://schemas.openxmlformats.org/drawingml/2006/main" xmlns:r="http://schemas.openxmlformats.org/officeDocument/2006/relationships" xmlns:p="http://schemas.openxmlformats.org/presentationml/2006/main">
-  <p:cSld>
-    <p:spTree>
-      <p:nvGrpSpPr>
-        <p:cNvPr id="1" name=""/>
-        <p:cNvGrpSpPr/>
-        <p:nvPr/>
-      </p:nvGrpSpPr>
-      <p:grpSpPr>
-        <a:xfrm>
-          <a:off x="0" y="0"/>
-          <a:ext cx="0" cy="0"/>
-          <a:chOff x="0" y="0"/>
-          <a:chExt cx="0" cy="0"/>
-        </a:xfrm>
-      </p:grpSpPr>
-      <p:sp>
-        <p:nvSpPr>
-          <p:cNvPr id="4" name="슬라이드 번호 개체 틀 3"/>
-          <p:cNvSpPr>
-            <a:spLocks noGrp="1"/>
-          </p:cNvSpPr>
-          <p:nvPr>
-            <p:ph type="sldNum" sz="quarter" idx="12"/>
-          </p:nvPr>
-        </p:nvSpPr>
-        <p:spPr/>
-        <p:txBody>
-          <a:bodyPr/>
-          <a:lstStyle/>
-          <a:p>
-            <a:fld id="{4CA1D5AE-3018-49FC-B3E0-A1E0E9567469}" type="slidenum">
-              <a:rPr lang="ko-KR" altLang="en-US" smtClean="0"/>
-              <a:pPr/>
-              <a:t>12</a:t>
-            </a:fld>
-            <a:endParaRPr lang="ko-KR" altLang="en-US"/>
-          </a:p>
-        </p:txBody>
-      </p:sp>
-      <p:pic>
-        <p:nvPicPr>
-          <p:cNvPr id="2" name="그림 1"/>
-          <p:cNvPicPr>
-            <a:picLocks noChangeAspect="1"/>
-          </p:cNvPicPr>
-          <p:nvPr/>
-        </p:nvPicPr>
-        <p:blipFill>
-          <a:blip r:embed="rId2"/>
-          <a:stretch>
-            <a:fillRect/>
-          </a:stretch>
-        </p:blipFill>
-        <p:spPr>
-          <a:xfrm>
-            <a:off x="0" y="1326696"/>
-            <a:ext cx="9144000" cy="4204607"/>
-          </a:xfrm>
-          <a:prstGeom prst="rect">
-            <a:avLst/>
-          </a:prstGeom>
-        </p:spPr>
-      </p:pic>
-      <p:pic>
-        <p:nvPicPr>
-          <p:cNvPr id="3" name="그림 2"/>
-          <p:cNvPicPr>
-            <a:picLocks noChangeAspect="1"/>
-          </p:cNvPicPr>
-          <p:nvPr/>
-        </p:nvPicPr>
-        <p:blipFill>
-          <a:blip r:embed="rId3"/>
-          <a:stretch>
-            <a:fillRect/>
-          </a:stretch>
-        </p:blipFill>
-        <p:spPr>
-          <a:xfrm>
-            <a:off x="6794346" y="0"/>
-            <a:ext cx="2349654" cy="6858000"/>
-          </a:xfrm>
-          <a:prstGeom prst="rect">
-            <a:avLst/>
-          </a:prstGeom>
-        </p:spPr>
-      </p:pic>
-    </p:spTree>
-    <p:extLst>
-      <p:ext uri="{BB962C8B-B14F-4D97-AF65-F5344CB8AC3E}">
-        <p14:creationId xmlns:p14="http://schemas.microsoft.com/office/powerpoint/2010/main" val="671131225"/>
+        <p14:creationId xmlns:p14="http://schemas.microsoft.com/office/powerpoint/2010/main" val="1725522325"/>
       </p:ext>
     </p:extLst>
   </p:cSld>
@@ -3950,24 +5274,50 @@
           </a:p>
         </p:txBody>
       </p:sp>
+      <p:sp>
+        <p:nvSpPr>
+          <p:cNvPr id="5" name="TextBox 4"/>
+          <p:cNvSpPr txBox="1"/>
+          <p:nvPr/>
+        </p:nvSpPr>
+        <p:spPr>
+          <a:xfrm>
+            <a:off x="1499016" y="674557"/>
+            <a:ext cx="184731" cy="461665"/>
+          </a:xfrm>
+          <a:prstGeom prst="rect">
+            <a:avLst/>
+          </a:prstGeom>
+          <a:noFill/>
+        </p:spPr>
+        <p:txBody>
+          <a:bodyPr wrap="none" rtlCol="0">
+            <a:spAutoFit/>
+          </a:bodyPr>
+          <a:lstStyle/>
+          <a:p>
+            <a:endParaRPr kumimoji="1" lang="ko-KR" altLang="en-US" sz="2400" dirty="0" smtClean="0"/>
+          </a:p>
+        </p:txBody>
+      </p:sp>
       <p:pic>
         <p:nvPicPr>
-          <p:cNvPr id="7" name="그림 6"/>
+          <p:cNvPr id="6" name="그림 5"/>
           <p:cNvPicPr>
             <a:picLocks noChangeAspect="1"/>
           </p:cNvPicPr>
           <p:nvPr/>
         </p:nvPicPr>
         <p:blipFill>
-          <a:blip r:embed="rId2"/>
+          <a:blip r:embed="rId3"/>
           <a:stretch>
             <a:fillRect/>
           </a:stretch>
         </p:blipFill>
         <p:spPr>
           <a:xfrm>
-            <a:off x="565150" y="1663700"/>
-            <a:ext cx="8013700" cy="3530600"/>
+            <a:off x="0" y="1310396"/>
+            <a:ext cx="9144000" cy="4237208"/>
           </a:xfrm>
           <a:prstGeom prst="rect">
             <a:avLst/>
@@ -3977,7 +5327,7 @@
     </p:spTree>
     <p:extLst>
       <p:ext uri="{BB962C8B-B14F-4D97-AF65-F5344CB8AC3E}">
-        <p14:creationId xmlns:p14="http://schemas.microsoft.com/office/powerpoint/2010/main" val="1459163859"/>
+        <p14:creationId xmlns:p14="http://schemas.microsoft.com/office/powerpoint/2010/main" val="1858029363"/>
       </p:ext>
     </p:extLst>
   </p:cSld>
@@ -4035,6 +5385,32 @@
           </a:p>
         </p:txBody>
       </p:sp>
+      <p:sp>
+        <p:nvSpPr>
+          <p:cNvPr id="5" name="TextBox 4"/>
+          <p:cNvSpPr txBox="1"/>
+          <p:nvPr/>
+        </p:nvSpPr>
+        <p:spPr>
+          <a:xfrm>
+            <a:off x="1499016" y="674557"/>
+            <a:ext cx="184731" cy="461665"/>
+          </a:xfrm>
+          <a:prstGeom prst="rect">
+            <a:avLst/>
+          </a:prstGeom>
+          <a:noFill/>
+        </p:spPr>
+        <p:txBody>
+          <a:bodyPr wrap="none" rtlCol="0">
+            <a:spAutoFit/>
+          </a:bodyPr>
+          <a:lstStyle/>
+          <a:p>
+            <a:endParaRPr kumimoji="1" lang="ko-KR" altLang="en-US" sz="2400" dirty="0" smtClean="0"/>
+          </a:p>
+        </p:txBody>
+      </p:sp>
       <p:pic>
         <p:nvPicPr>
           <p:cNvPr id="2" name="그림 1"/>
@@ -4044,15 +5420,15 @@
           <p:nvPr/>
         </p:nvPicPr>
         <p:blipFill>
-          <a:blip r:embed="rId2"/>
+          <a:blip r:embed="rId3"/>
           <a:stretch>
             <a:fillRect/>
           </a:stretch>
         </p:blipFill>
         <p:spPr>
           <a:xfrm>
-            <a:off x="0" y="364197"/>
-            <a:ext cx="9144000" cy="6129605"/>
+            <a:off x="65827" y="0"/>
+            <a:ext cx="9012346" cy="6858000"/>
           </a:xfrm>
           <a:prstGeom prst="rect">
             <a:avLst/>
@@ -4062,7 +5438,7 @@
     </p:spTree>
     <p:extLst>
       <p:ext uri="{BB962C8B-B14F-4D97-AF65-F5344CB8AC3E}">
-        <p14:creationId xmlns:p14="http://schemas.microsoft.com/office/powerpoint/2010/main" val="519214989"/>
+        <p14:creationId xmlns:p14="http://schemas.microsoft.com/office/powerpoint/2010/main" val="1533466803"/>
       </p:ext>
     </p:extLst>
   </p:cSld>
@@ -4120,6 +5496,32 @@
           </a:p>
         </p:txBody>
       </p:sp>
+      <p:sp>
+        <p:nvSpPr>
+          <p:cNvPr id="5" name="TextBox 4"/>
+          <p:cNvSpPr txBox="1"/>
+          <p:nvPr/>
+        </p:nvSpPr>
+        <p:spPr>
+          <a:xfrm>
+            <a:off x="1499016" y="674557"/>
+            <a:ext cx="184731" cy="461665"/>
+          </a:xfrm>
+          <a:prstGeom prst="rect">
+            <a:avLst/>
+          </a:prstGeom>
+          <a:noFill/>
+        </p:spPr>
+        <p:txBody>
+          <a:bodyPr wrap="none" rtlCol="0">
+            <a:spAutoFit/>
+          </a:bodyPr>
+          <a:lstStyle/>
+          <a:p>
+            <a:endParaRPr kumimoji="1" lang="ko-KR" altLang="en-US" sz="2400" dirty="0" smtClean="0"/>
+          </a:p>
+        </p:txBody>
+      </p:sp>
       <p:pic>
         <p:nvPicPr>
           <p:cNvPr id="2" name="그림 1"/>
@@ -4129,15 +5531,15 @@
           <p:nvPr/>
         </p:nvPicPr>
         <p:blipFill>
-          <a:blip r:embed="rId2"/>
+          <a:blip r:embed="rId3"/>
           <a:stretch>
             <a:fillRect/>
           </a:stretch>
         </p:blipFill>
         <p:spPr>
           <a:xfrm>
-            <a:off x="711200" y="2095500"/>
-            <a:ext cx="7721600" cy="2667000"/>
+            <a:off x="0" y="2062589"/>
+            <a:ext cx="9144000" cy="2732822"/>
           </a:xfrm>
           <a:prstGeom prst="rect">
             <a:avLst/>
@@ -4147,7 +5549,7 @@
     </p:spTree>
     <p:extLst>
       <p:ext uri="{BB962C8B-B14F-4D97-AF65-F5344CB8AC3E}">
-        <p14:creationId xmlns:p14="http://schemas.microsoft.com/office/powerpoint/2010/main" val="1953529230"/>
+        <p14:creationId xmlns:p14="http://schemas.microsoft.com/office/powerpoint/2010/main" val="982672290"/>
       </p:ext>
     </p:extLst>
   </p:cSld>
@@ -4205,24 +5607,50 @@
           </a:p>
         </p:txBody>
       </p:sp>
+      <p:sp>
+        <p:nvSpPr>
+          <p:cNvPr id="5" name="TextBox 4"/>
+          <p:cNvSpPr txBox="1"/>
+          <p:nvPr/>
+        </p:nvSpPr>
+        <p:spPr>
+          <a:xfrm>
+            <a:off x="1499016" y="674557"/>
+            <a:ext cx="184731" cy="461665"/>
+          </a:xfrm>
+          <a:prstGeom prst="rect">
+            <a:avLst/>
+          </a:prstGeom>
+          <a:noFill/>
+        </p:spPr>
+        <p:txBody>
+          <a:bodyPr wrap="none" rtlCol="0">
+            <a:spAutoFit/>
+          </a:bodyPr>
+          <a:lstStyle/>
+          <a:p>
+            <a:endParaRPr kumimoji="1" lang="ko-KR" altLang="en-US" sz="2400" dirty="0" smtClean="0"/>
+          </a:p>
+        </p:txBody>
+      </p:sp>
       <p:pic>
         <p:nvPicPr>
-          <p:cNvPr id="3" name="그림 2"/>
+          <p:cNvPr id="2" name="그림 1"/>
           <p:cNvPicPr>
             <a:picLocks noChangeAspect="1"/>
           </p:cNvPicPr>
           <p:nvPr/>
         </p:nvPicPr>
         <p:blipFill>
-          <a:blip r:embed="rId2"/>
+          <a:blip r:embed="rId3"/>
           <a:stretch>
             <a:fillRect/>
           </a:stretch>
         </p:blipFill>
         <p:spPr>
           <a:xfrm>
-            <a:off x="0" y="323871"/>
-            <a:ext cx="9144000" cy="6210258"/>
+            <a:off x="1271757" y="0"/>
+            <a:ext cx="6600486" cy="6858000"/>
           </a:xfrm>
           <a:prstGeom prst="rect">
             <a:avLst/>
@@ -4232,7 +5660,7 @@
     </p:spTree>
     <p:extLst>
       <p:ext uri="{BB962C8B-B14F-4D97-AF65-F5344CB8AC3E}">
-        <p14:creationId xmlns:p14="http://schemas.microsoft.com/office/powerpoint/2010/main" val="2067192021"/>
+        <p14:creationId xmlns:p14="http://schemas.microsoft.com/office/powerpoint/2010/main" val="1065538477"/>
       </p:ext>
     </p:extLst>
   </p:cSld>
@@ -4290,6 +5718,32 @@
           </a:p>
         </p:txBody>
       </p:sp>
+      <p:sp>
+        <p:nvSpPr>
+          <p:cNvPr id="5" name="TextBox 4"/>
+          <p:cNvSpPr txBox="1"/>
+          <p:nvPr/>
+        </p:nvSpPr>
+        <p:spPr>
+          <a:xfrm>
+            <a:off x="1499016" y="674557"/>
+            <a:ext cx="184731" cy="461665"/>
+          </a:xfrm>
+          <a:prstGeom prst="rect">
+            <a:avLst/>
+          </a:prstGeom>
+          <a:noFill/>
+        </p:spPr>
+        <p:txBody>
+          <a:bodyPr wrap="none" rtlCol="0">
+            <a:spAutoFit/>
+          </a:bodyPr>
+          <a:lstStyle/>
+          <a:p>
+            <a:endParaRPr kumimoji="1" lang="ko-KR" altLang="en-US" sz="2400" dirty="0" smtClean="0"/>
+          </a:p>
+        </p:txBody>
+      </p:sp>
       <p:pic>
         <p:nvPicPr>
           <p:cNvPr id="2" name="그림 1"/>
@@ -4299,15 +5753,15 @@
           <p:nvPr/>
         </p:nvPicPr>
         <p:blipFill>
-          <a:blip r:embed="rId2"/>
+          <a:blip r:embed="rId3"/>
           <a:stretch>
             <a:fillRect/>
           </a:stretch>
         </p:blipFill>
         <p:spPr>
           <a:xfrm>
-            <a:off x="0" y="1219996"/>
-            <a:ext cx="9144000" cy="4418007"/>
+            <a:off x="659182" y="0"/>
+            <a:ext cx="7825636" cy="6858000"/>
           </a:xfrm>
           <a:prstGeom prst="rect">
             <a:avLst/>
@@ -4317,7 +5771,7 @@
     </p:spTree>
     <p:extLst>
       <p:ext uri="{BB962C8B-B14F-4D97-AF65-F5344CB8AC3E}">
-        <p14:creationId xmlns:p14="http://schemas.microsoft.com/office/powerpoint/2010/main" val="1305855781"/>
+        <p14:creationId xmlns:p14="http://schemas.microsoft.com/office/powerpoint/2010/main" val="957816395"/>
       </p:ext>
     </p:extLst>
   </p:cSld>
@@ -4375,6 +5829,32 @@
           </a:p>
         </p:txBody>
       </p:sp>
+      <p:sp>
+        <p:nvSpPr>
+          <p:cNvPr id="5" name="TextBox 4"/>
+          <p:cNvSpPr txBox="1"/>
+          <p:nvPr/>
+        </p:nvSpPr>
+        <p:spPr>
+          <a:xfrm>
+            <a:off x="1499016" y="674557"/>
+            <a:ext cx="184731" cy="461665"/>
+          </a:xfrm>
+          <a:prstGeom prst="rect">
+            <a:avLst/>
+          </a:prstGeom>
+          <a:noFill/>
+        </p:spPr>
+        <p:txBody>
+          <a:bodyPr wrap="none" rtlCol="0">
+            <a:spAutoFit/>
+          </a:bodyPr>
+          <a:lstStyle/>
+          <a:p>
+            <a:endParaRPr kumimoji="1" lang="ko-KR" altLang="en-US" sz="2400" dirty="0" smtClean="0"/>
+          </a:p>
+        </p:txBody>
+      </p:sp>
       <p:pic>
         <p:nvPicPr>
           <p:cNvPr id="2" name="그림 1"/>
@@ -4384,15 +5864,15 @@
           <p:nvPr/>
         </p:nvPicPr>
         <p:blipFill>
-          <a:blip r:embed="rId2"/>
+          <a:blip r:embed="rId3"/>
           <a:stretch>
             <a:fillRect/>
           </a:stretch>
         </p:blipFill>
         <p:spPr>
           <a:xfrm>
-            <a:off x="0" y="2339662"/>
-            <a:ext cx="9144000" cy="2178676"/>
+            <a:off x="0" y="2232186"/>
+            <a:ext cx="9144000" cy="2393627"/>
           </a:xfrm>
           <a:prstGeom prst="rect">
             <a:avLst/>
@@ -4402,7 +5882,7 @@
     </p:spTree>
     <p:extLst>
       <p:ext uri="{BB962C8B-B14F-4D97-AF65-F5344CB8AC3E}">
-        <p14:creationId xmlns:p14="http://schemas.microsoft.com/office/powerpoint/2010/main" val="235238927"/>
+        <p14:creationId xmlns:p14="http://schemas.microsoft.com/office/powerpoint/2010/main" val="97842005"/>
       </p:ext>
     </p:extLst>
   </p:cSld>
@@ -4460,6 +5940,32 @@
           </a:p>
         </p:txBody>
       </p:sp>
+      <p:sp>
+        <p:nvSpPr>
+          <p:cNvPr id="5" name="TextBox 4"/>
+          <p:cNvSpPr txBox="1"/>
+          <p:nvPr/>
+        </p:nvSpPr>
+        <p:spPr>
+          <a:xfrm>
+            <a:off x="1499016" y="674557"/>
+            <a:ext cx="184731" cy="461665"/>
+          </a:xfrm>
+          <a:prstGeom prst="rect">
+            <a:avLst/>
+          </a:prstGeom>
+          <a:noFill/>
+        </p:spPr>
+        <p:txBody>
+          <a:bodyPr wrap="none" rtlCol="0">
+            <a:spAutoFit/>
+          </a:bodyPr>
+          <a:lstStyle/>
+          <a:p>
+            <a:endParaRPr kumimoji="1" lang="ko-KR" altLang="en-US" sz="2400" dirty="0" smtClean="0"/>
+          </a:p>
+        </p:txBody>
+      </p:sp>
       <p:pic>
         <p:nvPicPr>
           <p:cNvPr id="2" name="그림 1"/>
@@ -4469,15 +5975,15 @@
           <p:nvPr/>
         </p:nvPicPr>
         <p:blipFill>
-          <a:blip r:embed="rId2"/>
+          <a:blip r:embed="rId3"/>
           <a:stretch>
             <a:fillRect/>
           </a:stretch>
         </p:blipFill>
         <p:spPr>
           <a:xfrm>
-            <a:off x="0" y="1201226"/>
-            <a:ext cx="9144000" cy="4455548"/>
+            <a:off x="0" y="468085"/>
+            <a:ext cx="9144000" cy="5921829"/>
           </a:xfrm>
           <a:prstGeom prst="rect">
             <a:avLst/>
@@ -4487,7 +5993,7 @@
     </p:spTree>
     <p:extLst>
       <p:ext uri="{BB962C8B-B14F-4D97-AF65-F5344CB8AC3E}">
-        <p14:creationId xmlns:p14="http://schemas.microsoft.com/office/powerpoint/2010/main" val="143251962"/>
+        <p14:creationId xmlns:p14="http://schemas.microsoft.com/office/powerpoint/2010/main" val="1986836005"/>
       </p:ext>
     </p:extLst>
   </p:cSld>
@@ -4545,6 +6051,32 @@
           </a:p>
         </p:txBody>
       </p:sp>
+      <p:sp>
+        <p:nvSpPr>
+          <p:cNvPr id="5" name="TextBox 4"/>
+          <p:cNvSpPr txBox="1"/>
+          <p:nvPr/>
+        </p:nvSpPr>
+        <p:spPr>
+          <a:xfrm>
+            <a:off x="1499016" y="674557"/>
+            <a:ext cx="184731" cy="461665"/>
+          </a:xfrm>
+          <a:prstGeom prst="rect">
+            <a:avLst/>
+          </a:prstGeom>
+          <a:noFill/>
+        </p:spPr>
+        <p:txBody>
+          <a:bodyPr wrap="none" rtlCol="0">
+            <a:spAutoFit/>
+          </a:bodyPr>
+          <a:lstStyle/>
+          <a:p>
+            <a:endParaRPr kumimoji="1" lang="ko-KR" altLang="en-US" sz="2400" dirty="0" smtClean="0"/>
+          </a:p>
+        </p:txBody>
+      </p:sp>
       <p:pic>
         <p:nvPicPr>
           <p:cNvPr id="2" name="그림 1"/>
@@ -4554,15 +6086,15 @@
           <p:nvPr/>
         </p:nvPicPr>
         <p:blipFill>
-          <a:blip r:embed="rId2"/>
+          <a:blip r:embed="rId3"/>
           <a:stretch>
             <a:fillRect/>
           </a:stretch>
         </p:blipFill>
         <p:spPr>
           <a:xfrm>
-            <a:off x="0" y="1473200"/>
-            <a:ext cx="9144000" cy="3911600"/>
+            <a:off x="0" y="350391"/>
+            <a:ext cx="9144000" cy="6157218"/>
           </a:xfrm>
           <a:prstGeom prst="rect">
             <a:avLst/>
@@ -4572,7 +6104,7 @@
     </p:spTree>
     <p:extLst>
       <p:ext uri="{BB962C8B-B14F-4D97-AF65-F5344CB8AC3E}">
-        <p14:creationId xmlns:p14="http://schemas.microsoft.com/office/powerpoint/2010/main" val="88289627"/>
+        <p14:creationId xmlns:p14="http://schemas.microsoft.com/office/powerpoint/2010/main" val="1075684834"/>
       </p:ext>
     </p:extLst>
   </p:cSld>
